--- a/SugangSincheong-A/객체지향프로그래밍-A.pptx
+++ b/SugangSincheong-A/객체지향프로그래밍-A.pptx
@@ -62,6 +62,7 @@
     <p:sldId id="310" r:id="rId56"/>
     <p:sldId id="311" r:id="rId57"/>
     <p:sldId id="312" r:id="rId58"/>
+    <p:sldId id="313" r:id="rId59"/>
   </p:sldIdLst>
   <p:sldSz cx="12192000" cy="6858000"/>
   <p:notesSz cx="6858000" cy="9144000"/>
@@ -3241,7 +3242,7 @@
           <a:p>
             <a:fld id="{9891F741-12A4-49B3-B7A2-504B2BE71C46}" type="datetimeFigureOut">
               <a:rPr lang="ko-KR" altLang="en-US" smtClean="0"/>
-              <a:t>2022-11-14</a:t>
+              <a:t>2022-11-16</a:t>
             </a:fld>
             <a:endParaRPr lang="ko-KR" altLang="en-US"/>
           </a:p>
@@ -3414,7 +3415,7 @@
           <a:p>
             <a:fld id="{9891F741-12A4-49B3-B7A2-504B2BE71C46}" type="datetimeFigureOut">
               <a:rPr lang="ko-KR" altLang="en-US" smtClean="0"/>
-              <a:t>2022-11-14</a:t>
+              <a:t>2022-11-16</a:t>
             </a:fld>
             <a:endParaRPr lang="ko-KR" altLang="en-US"/>
           </a:p>
@@ -3621,7 +3622,7 @@
           <a:p>
             <a:fld id="{9891F741-12A4-49B3-B7A2-504B2BE71C46}" type="datetimeFigureOut">
               <a:rPr lang="ko-KR" altLang="en-US" smtClean="0"/>
-              <a:t>2022-11-14</a:t>
+              <a:t>2022-11-16</a:t>
             </a:fld>
             <a:endParaRPr lang="ko-KR" altLang="en-US"/>
           </a:p>
@@ -3828,7 +3829,7 @@
           <a:p>
             <a:fld id="{9891F741-12A4-49B3-B7A2-504B2BE71C46}" type="datetimeFigureOut">
               <a:rPr lang="ko-KR" altLang="en-US" smtClean="0"/>
-              <a:t>2022-11-14</a:t>
+              <a:t>2022-11-16</a:t>
             </a:fld>
             <a:endParaRPr lang="ko-KR" altLang="en-US"/>
           </a:p>
@@ -4064,7 +4065,7 @@
           <a:p>
             <a:fld id="{9891F741-12A4-49B3-B7A2-504B2BE71C46}" type="datetimeFigureOut">
               <a:rPr lang="ko-KR" altLang="en-US" smtClean="0"/>
-              <a:t>2022-11-14</a:t>
+              <a:t>2022-11-16</a:t>
             </a:fld>
             <a:endParaRPr lang="ko-KR" altLang="en-US"/>
           </a:p>
@@ -50282,6 +50283,2037 @@
 </p:sld>
 </file>
 
+<file path=ppt/slides/slide58.xml><?xml version="1.0" encoding="utf-8"?>
+<p:sld xmlns:a="http://schemas.openxmlformats.org/drawingml/2006/main" xmlns:r="http://schemas.openxmlformats.org/officeDocument/2006/relationships" xmlns:p="http://schemas.openxmlformats.org/presentationml/2006/main">
+  <p:cSld>
+    <p:spTree>
+      <p:nvGrpSpPr>
+        <p:cNvPr id="1" name=""/>
+        <p:cNvGrpSpPr/>
+        <p:nvPr/>
+      </p:nvGrpSpPr>
+      <p:grpSpPr>
+        <a:xfrm>
+          <a:off x="0" y="0"/>
+          <a:ext cx="0" cy="0"/>
+          <a:chOff x="0" y="0"/>
+          <a:chExt cx="0" cy="0"/>
+        </a:xfrm>
+      </p:grpSpPr>
+      <p:sp>
+        <p:nvSpPr>
+          <p:cNvPr id="4" name="제목 3"/>
+          <p:cNvSpPr>
+            <a:spLocks noGrp="1"/>
+          </p:cNvSpPr>
+          <p:nvPr>
+            <p:ph type="title"/>
+          </p:nvPr>
+        </p:nvSpPr>
+        <p:spPr/>
+        <p:txBody>
+          <a:bodyPr/>
+          <a:lstStyle/>
+          <a:p>
+            <a:r>
+              <a:rPr lang="en-US" altLang="ko-KR" dirty="0" smtClean="0"/>
+              <a:t>2022-11-16</a:t>
+            </a:r>
+            <a:endParaRPr lang="ko-KR" altLang="en-US" dirty="0"/>
+          </a:p>
+        </p:txBody>
+      </p:sp>
+      <p:sp>
+        <p:nvSpPr>
+          <p:cNvPr id="5" name="내용 개체 틀 4"/>
+          <p:cNvSpPr>
+            <a:spLocks noGrp="1"/>
+          </p:cNvSpPr>
+          <p:nvPr>
+            <p:ph idx="1"/>
+          </p:nvPr>
+        </p:nvSpPr>
+        <p:spPr/>
+        <p:txBody>
+          <a:bodyPr/>
+          <a:lstStyle/>
+          <a:p>
+            <a:r>
+              <a:rPr lang="ko-KR" altLang="en-US" dirty="0" smtClean="0"/>
+              <a:t>진행</a:t>
+            </a:r>
+            <a:endParaRPr lang="en-US" altLang="ko-KR" dirty="0" smtClean="0"/>
+          </a:p>
+          <a:p>
+            <a:pPr lvl="1"/>
+            <a:r>
+              <a:rPr lang="en-US" altLang="ko-KR" dirty="0" smtClean="0"/>
+              <a:t>Event Handler</a:t>
+            </a:r>
+            <a:endParaRPr lang="ko-KR" altLang="en-US" dirty="0"/>
+          </a:p>
+        </p:txBody>
+      </p:sp>
+      <p:sp>
+        <p:nvSpPr>
+          <p:cNvPr id="6" name="내용 개체 틀 5"/>
+          <p:cNvSpPr>
+            <a:spLocks noGrp="1"/>
+          </p:cNvSpPr>
+          <p:nvPr>
+            <p:ph sz="quarter" idx="13"/>
+          </p:nvPr>
+        </p:nvSpPr>
+        <p:spPr/>
+        <p:txBody>
+          <a:bodyPr/>
+          <a:lstStyle/>
+          <a:p>
+            <a:r>
+              <a:rPr lang="ko-KR" altLang="en-US" dirty="0" smtClean="0"/>
+              <a:t>과제</a:t>
+            </a:r>
+            <a:endParaRPr lang="en-US" altLang="ko-KR" dirty="0" smtClean="0"/>
+          </a:p>
+          <a:p>
+            <a:pPr lvl="1"/>
+            <a:r>
+              <a:rPr lang="en-US" altLang="ko-KR" dirty="0" smtClean="0"/>
+              <a:t>Directory Panel </a:t>
+            </a:r>
+            <a:r>
+              <a:rPr lang="ko-KR" altLang="en-US" dirty="0" smtClean="0"/>
+              <a:t>완성</a:t>
+            </a:r>
+            <a:endParaRPr lang="en-US" altLang="ko-KR" dirty="0" smtClean="0"/>
+          </a:p>
+          <a:p>
+            <a:pPr lvl="1"/>
+            <a:r>
+              <a:rPr lang="ko-KR" altLang="en-US" dirty="0" err="1" smtClean="0"/>
+              <a:t>미리담기</a:t>
+            </a:r>
+            <a:r>
+              <a:rPr lang="ko-KR" altLang="en-US" dirty="0" smtClean="0"/>
+              <a:t> </a:t>
+            </a:r>
+            <a:r>
+              <a:rPr lang="en-US" altLang="ko-KR" dirty="0" smtClean="0"/>
+              <a:t>Panel </a:t>
+            </a:r>
+            <a:r>
+              <a:rPr lang="ko-KR" altLang="en-US" dirty="0" smtClean="0"/>
+              <a:t>구현</a:t>
+            </a:r>
+            <a:endParaRPr lang="ko-KR" altLang="en-US" dirty="0"/>
+          </a:p>
+        </p:txBody>
+      </p:sp>
+      <p:sp>
+        <p:nvSpPr>
+          <p:cNvPr id="7" name="직사각형 6"/>
+          <p:cNvSpPr/>
+          <p:nvPr/>
+        </p:nvSpPr>
+        <p:spPr>
+          <a:xfrm>
+            <a:off x="2978988" y="1821837"/>
+            <a:ext cx="923027" cy="552091"/>
+          </a:xfrm>
+          <a:prstGeom prst="rect">
+            <a:avLst/>
+          </a:prstGeom>
+          <a:solidFill>
+            <a:schemeClr val="accent1">
+              <a:lumMod val="20000"/>
+              <a:lumOff val="80000"/>
+            </a:schemeClr>
+          </a:solidFill>
+        </p:spPr>
+        <p:style>
+          <a:lnRef idx="2">
+            <a:schemeClr val="accent1">
+              <a:shade val="50000"/>
+            </a:schemeClr>
+          </a:lnRef>
+          <a:fillRef idx="1">
+            <a:schemeClr val="accent1"/>
+          </a:fillRef>
+          <a:effectRef idx="0">
+            <a:schemeClr val="accent1"/>
+          </a:effectRef>
+          <a:fontRef idx="minor">
+            <a:schemeClr val="lt1"/>
+          </a:fontRef>
+        </p:style>
+        <p:txBody>
+          <a:bodyPr rtlCol="0" anchor="t"/>
+          <a:lstStyle/>
+          <a:p>
+            <a:pPr algn="ctr"/>
+            <a:r>
+              <a:rPr lang="en-US" altLang="ko-KR" sz="1400" dirty="0" smtClean="0">
+                <a:solidFill>
+                  <a:schemeClr val="accent1">
+                    <a:lumMod val="50000"/>
+                  </a:schemeClr>
+                </a:solidFill>
+              </a:rPr>
+              <a:t>Parent</a:t>
+            </a:r>
+            <a:endParaRPr lang="ko-KR" altLang="en-US" sz="1400" dirty="0" smtClean="0">
+              <a:solidFill>
+                <a:schemeClr val="accent1">
+                  <a:lumMod val="50000"/>
+                </a:schemeClr>
+              </a:solidFill>
+            </a:endParaRPr>
+          </a:p>
+        </p:txBody>
+      </p:sp>
+      <p:sp>
+        <p:nvSpPr>
+          <p:cNvPr id="8" name="직사각형 7"/>
+          <p:cNvSpPr/>
+          <p:nvPr/>
+        </p:nvSpPr>
+        <p:spPr>
+          <a:xfrm>
+            <a:off x="1731034" y="2878346"/>
+            <a:ext cx="923027" cy="552091"/>
+          </a:xfrm>
+          <a:prstGeom prst="rect">
+            <a:avLst/>
+          </a:prstGeom>
+          <a:solidFill>
+            <a:schemeClr val="accent1">
+              <a:lumMod val="20000"/>
+              <a:lumOff val="80000"/>
+            </a:schemeClr>
+          </a:solidFill>
+        </p:spPr>
+        <p:style>
+          <a:lnRef idx="2">
+            <a:schemeClr val="accent1">
+              <a:shade val="50000"/>
+            </a:schemeClr>
+          </a:lnRef>
+          <a:fillRef idx="1">
+            <a:schemeClr val="accent1"/>
+          </a:fillRef>
+          <a:effectRef idx="0">
+            <a:schemeClr val="accent1"/>
+          </a:effectRef>
+          <a:fontRef idx="minor">
+            <a:schemeClr val="lt1"/>
+          </a:fontRef>
+        </p:style>
+        <p:txBody>
+          <a:bodyPr rtlCol="0" anchor="t"/>
+          <a:lstStyle/>
+          <a:p>
+            <a:pPr algn="ctr"/>
+            <a:r>
+              <a:rPr lang="en-US" altLang="ko-KR" sz="1400" dirty="0" smtClean="0">
+                <a:solidFill>
+                  <a:schemeClr val="accent1">
+                    <a:lumMod val="50000"/>
+                  </a:schemeClr>
+                </a:solidFill>
+              </a:rPr>
+              <a:t>Child</a:t>
+            </a:r>
+            <a:endParaRPr lang="ko-KR" altLang="en-US" sz="1400" dirty="0" smtClean="0">
+              <a:solidFill>
+                <a:schemeClr val="accent1">
+                  <a:lumMod val="50000"/>
+                </a:schemeClr>
+              </a:solidFill>
+            </a:endParaRPr>
+          </a:p>
+        </p:txBody>
+      </p:sp>
+      <p:sp>
+        <p:nvSpPr>
+          <p:cNvPr id="9" name="직사각형 8"/>
+          <p:cNvSpPr/>
+          <p:nvPr/>
+        </p:nvSpPr>
+        <p:spPr>
+          <a:xfrm>
+            <a:off x="2978988" y="2878346"/>
+            <a:ext cx="923027" cy="552091"/>
+          </a:xfrm>
+          <a:prstGeom prst="rect">
+            <a:avLst/>
+          </a:prstGeom>
+          <a:solidFill>
+            <a:schemeClr val="accent1">
+              <a:lumMod val="20000"/>
+              <a:lumOff val="80000"/>
+            </a:schemeClr>
+          </a:solidFill>
+        </p:spPr>
+        <p:style>
+          <a:lnRef idx="2">
+            <a:schemeClr val="accent1">
+              <a:shade val="50000"/>
+            </a:schemeClr>
+          </a:lnRef>
+          <a:fillRef idx="1">
+            <a:schemeClr val="accent1"/>
+          </a:fillRef>
+          <a:effectRef idx="0">
+            <a:schemeClr val="accent1"/>
+          </a:effectRef>
+          <a:fontRef idx="minor">
+            <a:schemeClr val="lt1"/>
+          </a:fontRef>
+        </p:style>
+        <p:txBody>
+          <a:bodyPr rtlCol="0" anchor="t"/>
+          <a:lstStyle/>
+          <a:p>
+            <a:pPr algn="ctr"/>
+            <a:r>
+              <a:rPr lang="en-US" altLang="ko-KR" sz="1400" dirty="0" smtClean="0">
+                <a:solidFill>
+                  <a:schemeClr val="accent1">
+                    <a:lumMod val="50000"/>
+                  </a:schemeClr>
+                </a:solidFill>
+              </a:rPr>
+              <a:t>Child</a:t>
+            </a:r>
+            <a:endParaRPr lang="ko-KR" altLang="en-US" sz="1400" dirty="0" smtClean="0">
+              <a:solidFill>
+                <a:schemeClr val="accent1">
+                  <a:lumMod val="50000"/>
+                </a:schemeClr>
+              </a:solidFill>
+            </a:endParaRPr>
+          </a:p>
+        </p:txBody>
+      </p:sp>
+      <p:sp>
+        <p:nvSpPr>
+          <p:cNvPr id="10" name="직사각형 9"/>
+          <p:cNvSpPr/>
+          <p:nvPr/>
+        </p:nvSpPr>
+        <p:spPr>
+          <a:xfrm>
+            <a:off x="4357777" y="2878345"/>
+            <a:ext cx="923027" cy="552091"/>
+          </a:xfrm>
+          <a:prstGeom prst="rect">
+            <a:avLst/>
+          </a:prstGeom>
+          <a:solidFill>
+            <a:schemeClr val="accent1">
+              <a:lumMod val="20000"/>
+              <a:lumOff val="80000"/>
+            </a:schemeClr>
+          </a:solidFill>
+        </p:spPr>
+        <p:style>
+          <a:lnRef idx="2">
+            <a:schemeClr val="accent1">
+              <a:shade val="50000"/>
+            </a:schemeClr>
+          </a:lnRef>
+          <a:fillRef idx="1">
+            <a:schemeClr val="accent1"/>
+          </a:fillRef>
+          <a:effectRef idx="0">
+            <a:schemeClr val="accent1"/>
+          </a:effectRef>
+          <a:fontRef idx="minor">
+            <a:schemeClr val="lt1"/>
+          </a:fontRef>
+        </p:style>
+        <p:txBody>
+          <a:bodyPr rtlCol="0" anchor="t"/>
+          <a:lstStyle/>
+          <a:p>
+            <a:pPr algn="ctr"/>
+            <a:r>
+              <a:rPr lang="en-US" altLang="ko-KR" sz="1400" dirty="0" smtClean="0">
+                <a:solidFill>
+                  <a:schemeClr val="accent1">
+                    <a:lumMod val="50000"/>
+                  </a:schemeClr>
+                </a:solidFill>
+              </a:rPr>
+              <a:t>Child</a:t>
+            </a:r>
+            <a:endParaRPr lang="ko-KR" altLang="en-US" sz="1400" dirty="0" smtClean="0">
+              <a:solidFill>
+                <a:schemeClr val="accent1">
+                  <a:lumMod val="50000"/>
+                </a:schemeClr>
+              </a:solidFill>
+            </a:endParaRPr>
+          </a:p>
+        </p:txBody>
+      </p:sp>
+      <p:cxnSp>
+        <p:nvCxnSpPr>
+          <p:cNvPr id="12" name="직선 화살표 연결선 11"/>
+          <p:cNvCxnSpPr>
+            <a:stCxn id="7" idx="2"/>
+            <a:endCxn id="8" idx="0"/>
+          </p:cNvCxnSpPr>
+          <p:nvPr/>
+        </p:nvCxnSpPr>
+        <p:spPr>
+          <a:xfrm flipH="1">
+            <a:off x="2192548" y="2373928"/>
+            <a:ext cx="1247954" cy="504418"/>
+          </a:xfrm>
+          <a:prstGeom prst="straightConnector1">
+            <a:avLst/>
+          </a:prstGeom>
+          <a:ln w="12700">
+            <a:tailEnd type="triangle"/>
+          </a:ln>
+        </p:spPr>
+        <p:style>
+          <a:lnRef idx="1">
+            <a:schemeClr val="accent1"/>
+          </a:lnRef>
+          <a:fillRef idx="0">
+            <a:schemeClr val="accent1"/>
+          </a:fillRef>
+          <a:effectRef idx="0">
+            <a:schemeClr val="accent1"/>
+          </a:effectRef>
+          <a:fontRef idx="minor">
+            <a:schemeClr val="tx1"/>
+          </a:fontRef>
+        </p:style>
+      </p:cxnSp>
+      <p:cxnSp>
+        <p:nvCxnSpPr>
+          <p:cNvPr id="15" name="직선 화살표 연결선 14"/>
+          <p:cNvCxnSpPr>
+            <a:stCxn id="7" idx="2"/>
+            <a:endCxn id="9" idx="0"/>
+          </p:cNvCxnSpPr>
+          <p:nvPr/>
+        </p:nvCxnSpPr>
+        <p:spPr>
+          <a:xfrm>
+            <a:off x="3440502" y="2373928"/>
+            <a:ext cx="0" cy="504418"/>
+          </a:xfrm>
+          <a:prstGeom prst="straightConnector1">
+            <a:avLst/>
+          </a:prstGeom>
+          <a:ln w="12700">
+            <a:tailEnd type="triangle"/>
+          </a:ln>
+        </p:spPr>
+        <p:style>
+          <a:lnRef idx="1">
+            <a:schemeClr val="accent1"/>
+          </a:lnRef>
+          <a:fillRef idx="0">
+            <a:schemeClr val="accent1"/>
+          </a:fillRef>
+          <a:effectRef idx="0">
+            <a:schemeClr val="accent1"/>
+          </a:effectRef>
+          <a:fontRef idx="minor">
+            <a:schemeClr val="tx1"/>
+          </a:fontRef>
+        </p:style>
+      </p:cxnSp>
+      <p:cxnSp>
+        <p:nvCxnSpPr>
+          <p:cNvPr id="18" name="직선 화살표 연결선 17"/>
+          <p:cNvCxnSpPr>
+            <a:stCxn id="7" idx="2"/>
+            <a:endCxn id="10" idx="0"/>
+          </p:cNvCxnSpPr>
+          <p:nvPr/>
+        </p:nvCxnSpPr>
+        <p:spPr>
+          <a:xfrm>
+            <a:off x="3440502" y="2373928"/>
+            <a:ext cx="1378789" cy="504417"/>
+          </a:xfrm>
+          <a:prstGeom prst="straightConnector1">
+            <a:avLst/>
+          </a:prstGeom>
+          <a:ln w="12700">
+            <a:tailEnd type="triangle"/>
+          </a:ln>
+        </p:spPr>
+        <p:style>
+          <a:lnRef idx="1">
+            <a:schemeClr val="accent1"/>
+          </a:lnRef>
+          <a:fillRef idx="0">
+            <a:schemeClr val="accent1"/>
+          </a:fillRef>
+          <a:effectRef idx="0">
+            <a:schemeClr val="accent1"/>
+          </a:effectRef>
+          <a:fontRef idx="minor">
+            <a:schemeClr val="tx1"/>
+          </a:fontRef>
+        </p:style>
+      </p:cxnSp>
+      <p:sp>
+        <p:nvSpPr>
+          <p:cNvPr id="24" name="자유형 23"/>
+          <p:cNvSpPr/>
+          <p:nvPr/>
+        </p:nvSpPr>
+        <p:spPr>
+          <a:xfrm>
+            <a:off x="2113472" y="2087592"/>
+            <a:ext cx="2786332" cy="1125913"/>
+          </a:xfrm>
+          <a:custGeom>
+            <a:avLst/>
+            <a:gdLst>
+              <a:gd name="connsiteX0" fmla="*/ 1181819 w 2786332"/>
+              <a:gd name="connsiteY0" fmla="*/ 86265 h 1125913"/>
+              <a:gd name="connsiteX1" fmla="*/ 1061049 w 2786332"/>
+              <a:gd name="connsiteY1" fmla="*/ 155276 h 1125913"/>
+              <a:gd name="connsiteX2" fmla="*/ 1026543 w 2786332"/>
+              <a:gd name="connsiteY2" fmla="*/ 163902 h 1125913"/>
+              <a:gd name="connsiteX3" fmla="*/ 974785 w 2786332"/>
+              <a:gd name="connsiteY3" fmla="*/ 181155 h 1125913"/>
+              <a:gd name="connsiteX4" fmla="*/ 923026 w 2786332"/>
+              <a:gd name="connsiteY4" fmla="*/ 215661 h 1125913"/>
+              <a:gd name="connsiteX5" fmla="*/ 897147 w 2786332"/>
+              <a:gd name="connsiteY5" fmla="*/ 232914 h 1125913"/>
+              <a:gd name="connsiteX6" fmla="*/ 862641 w 2786332"/>
+              <a:gd name="connsiteY6" fmla="*/ 250166 h 1125913"/>
+              <a:gd name="connsiteX7" fmla="*/ 793630 w 2786332"/>
+              <a:gd name="connsiteY7" fmla="*/ 301925 h 1125913"/>
+              <a:gd name="connsiteX8" fmla="*/ 741871 w 2786332"/>
+              <a:gd name="connsiteY8" fmla="*/ 319178 h 1125913"/>
+              <a:gd name="connsiteX9" fmla="*/ 681486 w 2786332"/>
+              <a:gd name="connsiteY9" fmla="*/ 336431 h 1125913"/>
+              <a:gd name="connsiteX10" fmla="*/ 638354 w 2786332"/>
+              <a:gd name="connsiteY10" fmla="*/ 362310 h 1125913"/>
+              <a:gd name="connsiteX11" fmla="*/ 595222 w 2786332"/>
+              <a:gd name="connsiteY11" fmla="*/ 379563 h 1125913"/>
+              <a:gd name="connsiteX12" fmla="*/ 560717 w 2786332"/>
+              <a:gd name="connsiteY12" fmla="*/ 405442 h 1125913"/>
+              <a:gd name="connsiteX13" fmla="*/ 500332 w 2786332"/>
+              <a:gd name="connsiteY13" fmla="*/ 431321 h 1125913"/>
+              <a:gd name="connsiteX14" fmla="*/ 474453 w 2786332"/>
+              <a:gd name="connsiteY14" fmla="*/ 457200 h 1125913"/>
+              <a:gd name="connsiteX15" fmla="*/ 396815 w 2786332"/>
+              <a:gd name="connsiteY15" fmla="*/ 517585 h 1125913"/>
+              <a:gd name="connsiteX16" fmla="*/ 353683 w 2786332"/>
+              <a:gd name="connsiteY16" fmla="*/ 560717 h 1125913"/>
+              <a:gd name="connsiteX17" fmla="*/ 293298 w 2786332"/>
+              <a:gd name="connsiteY17" fmla="*/ 595223 h 1125913"/>
+              <a:gd name="connsiteX18" fmla="*/ 258792 w 2786332"/>
+              <a:gd name="connsiteY18" fmla="*/ 621102 h 1125913"/>
+              <a:gd name="connsiteX19" fmla="*/ 181154 w 2786332"/>
+              <a:gd name="connsiteY19" fmla="*/ 646982 h 1125913"/>
+              <a:gd name="connsiteX20" fmla="*/ 155275 w 2786332"/>
+              <a:gd name="connsiteY20" fmla="*/ 655608 h 1125913"/>
+              <a:gd name="connsiteX21" fmla="*/ 129396 w 2786332"/>
+              <a:gd name="connsiteY21" fmla="*/ 672861 h 1125913"/>
+              <a:gd name="connsiteX22" fmla="*/ 112143 w 2786332"/>
+              <a:gd name="connsiteY22" fmla="*/ 733246 h 1125913"/>
+              <a:gd name="connsiteX23" fmla="*/ 86264 w 2786332"/>
+              <a:gd name="connsiteY23" fmla="*/ 741872 h 1125913"/>
+              <a:gd name="connsiteX24" fmla="*/ 60385 w 2786332"/>
+              <a:gd name="connsiteY24" fmla="*/ 759125 h 1125913"/>
+              <a:gd name="connsiteX25" fmla="*/ 25879 w 2786332"/>
+              <a:gd name="connsiteY25" fmla="*/ 810883 h 1125913"/>
+              <a:gd name="connsiteX26" fmla="*/ 0 w 2786332"/>
+              <a:gd name="connsiteY26" fmla="*/ 897148 h 1125913"/>
+              <a:gd name="connsiteX27" fmla="*/ 25879 w 2786332"/>
+              <a:gd name="connsiteY27" fmla="*/ 1017917 h 1125913"/>
+              <a:gd name="connsiteX28" fmla="*/ 51758 w 2786332"/>
+              <a:gd name="connsiteY28" fmla="*/ 1035170 h 1125913"/>
+              <a:gd name="connsiteX29" fmla="*/ 207034 w 2786332"/>
+              <a:gd name="connsiteY29" fmla="*/ 1026544 h 1125913"/>
+              <a:gd name="connsiteX30" fmla="*/ 232913 w 2786332"/>
+              <a:gd name="connsiteY30" fmla="*/ 1000665 h 1125913"/>
+              <a:gd name="connsiteX31" fmla="*/ 284671 w 2786332"/>
+              <a:gd name="connsiteY31" fmla="*/ 983412 h 1125913"/>
+              <a:gd name="connsiteX32" fmla="*/ 319177 w 2786332"/>
+              <a:gd name="connsiteY32" fmla="*/ 948906 h 1125913"/>
+              <a:gd name="connsiteX33" fmla="*/ 379562 w 2786332"/>
+              <a:gd name="connsiteY33" fmla="*/ 879895 h 1125913"/>
+              <a:gd name="connsiteX34" fmla="*/ 405441 w 2786332"/>
+              <a:gd name="connsiteY34" fmla="*/ 871268 h 1125913"/>
+              <a:gd name="connsiteX35" fmla="*/ 491705 w 2786332"/>
+              <a:gd name="connsiteY35" fmla="*/ 776378 h 1125913"/>
+              <a:gd name="connsiteX36" fmla="*/ 560717 w 2786332"/>
+              <a:gd name="connsiteY36" fmla="*/ 724619 h 1125913"/>
+              <a:gd name="connsiteX37" fmla="*/ 586596 w 2786332"/>
+              <a:gd name="connsiteY37" fmla="*/ 715993 h 1125913"/>
+              <a:gd name="connsiteX38" fmla="*/ 621102 w 2786332"/>
+              <a:gd name="connsiteY38" fmla="*/ 681487 h 1125913"/>
+              <a:gd name="connsiteX39" fmla="*/ 629728 w 2786332"/>
+              <a:gd name="connsiteY39" fmla="*/ 646982 h 1125913"/>
+              <a:gd name="connsiteX40" fmla="*/ 655607 w 2786332"/>
+              <a:gd name="connsiteY40" fmla="*/ 629729 h 1125913"/>
+              <a:gd name="connsiteX41" fmla="*/ 715992 w 2786332"/>
+              <a:gd name="connsiteY41" fmla="*/ 586597 h 1125913"/>
+              <a:gd name="connsiteX42" fmla="*/ 767751 w 2786332"/>
+              <a:gd name="connsiteY42" fmla="*/ 543465 h 1125913"/>
+              <a:gd name="connsiteX43" fmla="*/ 836762 w 2786332"/>
+              <a:gd name="connsiteY43" fmla="*/ 491706 h 1125913"/>
+              <a:gd name="connsiteX44" fmla="*/ 854015 w 2786332"/>
+              <a:gd name="connsiteY44" fmla="*/ 465827 h 1125913"/>
+              <a:gd name="connsiteX45" fmla="*/ 914400 w 2786332"/>
+              <a:gd name="connsiteY45" fmla="*/ 414068 h 1125913"/>
+              <a:gd name="connsiteX46" fmla="*/ 940279 w 2786332"/>
+              <a:gd name="connsiteY46" fmla="*/ 396816 h 1125913"/>
+              <a:gd name="connsiteX47" fmla="*/ 966158 w 2786332"/>
+              <a:gd name="connsiteY47" fmla="*/ 388189 h 1125913"/>
+              <a:gd name="connsiteX48" fmla="*/ 1026543 w 2786332"/>
+              <a:gd name="connsiteY48" fmla="*/ 362310 h 1125913"/>
+              <a:gd name="connsiteX49" fmla="*/ 1052422 w 2786332"/>
+              <a:gd name="connsiteY49" fmla="*/ 336431 h 1125913"/>
+              <a:gd name="connsiteX50" fmla="*/ 1112807 w 2786332"/>
+              <a:gd name="connsiteY50" fmla="*/ 310551 h 1125913"/>
+              <a:gd name="connsiteX51" fmla="*/ 1164566 w 2786332"/>
+              <a:gd name="connsiteY51" fmla="*/ 276046 h 1125913"/>
+              <a:gd name="connsiteX52" fmla="*/ 1199071 w 2786332"/>
+              <a:gd name="connsiteY52" fmla="*/ 258793 h 1125913"/>
+              <a:gd name="connsiteX53" fmla="*/ 1259456 w 2786332"/>
+              <a:gd name="connsiteY53" fmla="*/ 224287 h 1125913"/>
+              <a:gd name="connsiteX54" fmla="*/ 1311215 w 2786332"/>
+              <a:gd name="connsiteY54" fmla="*/ 215661 h 1125913"/>
+              <a:gd name="connsiteX55" fmla="*/ 1337094 w 2786332"/>
+              <a:gd name="connsiteY55" fmla="*/ 198408 h 1125913"/>
+              <a:gd name="connsiteX56" fmla="*/ 1397479 w 2786332"/>
+              <a:gd name="connsiteY56" fmla="*/ 232914 h 1125913"/>
+              <a:gd name="connsiteX57" fmla="*/ 1414732 w 2786332"/>
+              <a:gd name="connsiteY57" fmla="*/ 284672 h 1125913"/>
+              <a:gd name="connsiteX58" fmla="*/ 1388853 w 2786332"/>
+              <a:gd name="connsiteY58" fmla="*/ 474453 h 1125913"/>
+              <a:gd name="connsiteX59" fmla="*/ 1362973 w 2786332"/>
+              <a:gd name="connsiteY59" fmla="*/ 517585 h 1125913"/>
+              <a:gd name="connsiteX60" fmla="*/ 1345720 w 2786332"/>
+              <a:gd name="connsiteY60" fmla="*/ 560717 h 1125913"/>
+              <a:gd name="connsiteX61" fmla="*/ 1311215 w 2786332"/>
+              <a:gd name="connsiteY61" fmla="*/ 612476 h 1125913"/>
+              <a:gd name="connsiteX62" fmla="*/ 1259456 w 2786332"/>
+              <a:gd name="connsiteY62" fmla="*/ 698740 h 1125913"/>
+              <a:gd name="connsiteX63" fmla="*/ 1242203 w 2786332"/>
+              <a:gd name="connsiteY63" fmla="*/ 776378 h 1125913"/>
+              <a:gd name="connsiteX64" fmla="*/ 1224951 w 2786332"/>
+              <a:gd name="connsiteY64" fmla="*/ 810883 h 1125913"/>
+              <a:gd name="connsiteX65" fmla="*/ 1207698 w 2786332"/>
+              <a:gd name="connsiteY65" fmla="*/ 862642 h 1125913"/>
+              <a:gd name="connsiteX66" fmla="*/ 1199071 w 2786332"/>
+              <a:gd name="connsiteY66" fmla="*/ 1043797 h 1125913"/>
+              <a:gd name="connsiteX67" fmla="*/ 1224951 w 2786332"/>
+              <a:gd name="connsiteY67" fmla="*/ 1069676 h 1125913"/>
+              <a:gd name="connsiteX68" fmla="*/ 1311215 w 2786332"/>
+              <a:gd name="connsiteY68" fmla="*/ 1086929 h 1125913"/>
+              <a:gd name="connsiteX69" fmla="*/ 1397479 w 2786332"/>
+              <a:gd name="connsiteY69" fmla="*/ 1061050 h 1125913"/>
+              <a:gd name="connsiteX70" fmla="*/ 1423358 w 2786332"/>
+              <a:gd name="connsiteY70" fmla="*/ 1026544 h 1125913"/>
+              <a:gd name="connsiteX71" fmla="*/ 1457864 w 2786332"/>
+              <a:gd name="connsiteY71" fmla="*/ 992038 h 1125913"/>
+              <a:gd name="connsiteX72" fmla="*/ 1509622 w 2786332"/>
+              <a:gd name="connsiteY72" fmla="*/ 905774 h 1125913"/>
+              <a:gd name="connsiteX73" fmla="*/ 1526875 w 2786332"/>
+              <a:gd name="connsiteY73" fmla="*/ 879895 h 1125913"/>
+              <a:gd name="connsiteX74" fmla="*/ 1535502 w 2786332"/>
+              <a:gd name="connsiteY74" fmla="*/ 845389 h 1125913"/>
+              <a:gd name="connsiteX75" fmla="*/ 1552754 w 2786332"/>
+              <a:gd name="connsiteY75" fmla="*/ 819510 h 1125913"/>
+              <a:gd name="connsiteX76" fmla="*/ 1561381 w 2786332"/>
+              <a:gd name="connsiteY76" fmla="*/ 750499 h 1125913"/>
+              <a:gd name="connsiteX77" fmla="*/ 1578634 w 2786332"/>
+              <a:gd name="connsiteY77" fmla="*/ 646982 h 1125913"/>
+              <a:gd name="connsiteX78" fmla="*/ 1570007 w 2786332"/>
+              <a:gd name="connsiteY78" fmla="*/ 396816 h 1125913"/>
+              <a:gd name="connsiteX79" fmla="*/ 1561381 w 2786332"/>
+              <a:gd name="connsiteY79" fmla="*/ 370936 h 1125913"/>
+              <a:gd name="connsiteX80" fmla="*/ 1526875 w 2786332"/>
+              <a:gd name="connsiteY80" fmla="*/ 319178 h 1125913"/>
+              <a:gd name="connsiteX81" fmla="*/ 1509622 w 2786332"/>
+              <a:gd name="connsiteY81" fmla="*/ 267419 h 1125913"/>
+              <a:gd name="connsiteX82" fmla="*/ 1475117 w 2786332"/>
+              <a:gd name="connsiteY82" fmla="*/ 207034 h 1125913"/>
+              <a:gd name="connsiteX83" fmla="*/ 1483743 w 2786332"/>
+              <a:gd name="connsiteY83" fmla="*/ 181155 h 1125913"/>
+              <a:gd name="connsiteX84" fmla="*/ 1509622 w 2786332"/>
+              <a:gd name="connsiteY84" fmla="*/ 172529 h 1125913"/>
+              <a:gd name="connsiteX85" fmla="*/ 1595886 w 2786332"/>
+              <a:gd name="connsiteY85" fmla="*/ 181155 h 1125913"/>
+              <a:gd name="connsiteX86" fmla="*/ 1621766 w 2786332"/>
+              <a:gd name="connsiteY86" fmla="*/ 207034 h 1125913"/>
+              <a:gd name="connsiteX87" fmla="*/ 1664898 w 2786332"/>
+              <a:gd name="connsiteY87" fmla="*/ 267419 h 1125913"/>
+              <a:gd name="connsiteX88" fmla="*/ 1699403 w 2786332"/>
+              <a:gd name="connsiteY88" fmla="*/ 353683 h 1125913"/>
+              <a:gd name="connsiteX89" fmla="*/ 1733909 w 2786332"/>
+              <a:gd name="connsiteY89" fmla="*/ 405442 h 1125913"/>
+              <a:gd name="connsiteX90" fmla="*/ 1889185 w 2786332"/>
+              <a:gd name="connsiteY90" fmla="*/ 517585 h 1125913"/>
+              <a:gd name="connsiteX91" fmla="*/ 1940943 w 2786332"/>
+              <a:gd name="connsiteY91" fmla="*/ 603850 h 1125913"/>
+              <a:gd name="connsiteX92" fmla="*/ 1966822 w 2786332"/>
+              <a:gd name="connsiteY92" fmla="*/ 646982 h 1125913"/>
+              <a:gd name="connsiteX93" fmla="*/ 2001328 w 2786332"/>
+              <a:gd name="connsiteY93" fmla="*/ 741872 h 1125913"/>
+              <a:gd name="connsiteX94" fmla="*/ 2027207 w 2786332"/>
+              <a:gd name="connsiteY94" fmla="*/ 759125 h 1125913"/>
+              <a:gd name="connsiteX95" fmla="*/ 2078966 w 2786332"/>
+              <a:gd name="connsiteY95" fmla="*/ 828136 h 1125913"/>
+              <a:gd name="connsiteX96" fmla="*/ 2173856 w 2786332"/>
+              <a:gd name="connsiteY96" fmla="*/ 923027 h 1125913"/>
+              <a:gd name="connsiteX97" fmla="*/ 2216988 w 2786332"/>
+              <a:gd name="connsiteY97" fmla="*/ 948906 h 1125913"/>
+              <a:gd name="connsiteX98" fmla="*/ 2277373 w 2786332"/>
+              <a:gd name="connsiteY98" fmla="*/ 974785 h 1125913"/>
+              <a:gd name="connsiteX99" fmla="*/ 2441275 w 2786332"/>
+              <a:gd name="connsiteY99" fmla="*/ 1078302 h 1125913"/>
+              <a:gd name="connsiteX100" fmla="*/ 2553419 w 2786332"/>
+              <a:gd name="connsiteY100" fmla="*/ 1095555 h 1125913"/>
+              <a:gd name="connsiteX101" fmla="*/ 2743200 w 2786332"/>
+              <a:gd name="connsiteY101" fmla="*/ 1112808 h 1125913"/>
+              <a:gd name="connsiteX102" fmla="*/ 2786332 w 2786332"/>
+              <a:gd name="connsiteY102" fmla="*/ 1061050 h 1125913"/>
+              <a:gd name="connsiteX103" fmla="*/ 2760453 w 2786332"/>
+              <a:gd name="connsiteY103" fmla="*/ 957533 h 1125913"/>
+              <a:gd name="connsiteX104" fmla="*/ 2579298 w 2786332"/>
+              <a:gd name="connsiteY104" fmla="*/ 741872 h 1125913"/>
+              <a:gd name="connsiteX105" fmla="*/ 2458528 w 2786332"/>
+              <a:gd name="connsiteY105" fmla="*/ 672861 h 1125913"/>
+              <a:gd name="connsiteX106" fmla="*/ 2398143 w 2786332"/>
+              <a:gd name="connsiteY106" fmla="*/ 621102 h 1125913"/>
+              <a:gd name="connsiteX107" fmla="*/ 2053086 w 2786332"/>
+              <a:gd name="connsiteY107" fmla="*/ 353683 h 1125913"/>
+              <a:gd name="connsiteX108" fmla="*/ 1992702 w 2786332"/>
+              <a:gd name="connsiteY108" fmla="*/ 284672 h 1125913"/>
+              <a:gd name="connsiteX109" fmla="*/ 1906437 w 2786332"/>
+              <a:gd name="connsiteY109" fmla="*/ 207034 h 1125913"/>
+              <a:gd name="connsiteX110" fmla="*/ 1863305 w 2786332"/>
+              <a:gd name="connsiteY110" fmla="*/ 181155 h 1125913"/>
+              <a:gd name="connsiteX111" fmla="*/ 1837426 w 2786332"/>
+              <a:gd name="connsiteY111" fmla="*/ 163902 h 1125913"/>
+              <a:gd name="connsiteX112" fmla="*/ 1751162 w 2786332"/>
+              <a:gd name="connsiteY112" fmla="*/ 60385 h 1125913"/>
+              <a:gd name="connsiteX113" fmla="*/ 1725283 w 2786332"/>
+              <a:gd name="connsiteY113" fmla="*/ 34506 h 1125913"/>
+              <a:gd name="connsiteX114" fmla="*/ 1604513 w 2786332"/>
+              <a:gd name="connsiteY114" fmla="*/ 17253 h 1125913"/>
+              <a:gd name="connsiteX115" fmla="*/ 1561381 w 2786332"/>
+              <a:gd name="connsiteY115" fmla="*/ 0 h 1125913"/>
+            </a:gdLst>
+            <a:ahLst/>
+            <a:cxnLst>
+              <a:cxn ang="0">
+                <a:pos x="connsiteX0" y="connsiteY0"/>
+              </a:cxn>
+              <a:cxn ang="0">
+                <a:pos x="connsiteX1" y="connsiteY1"/>
+              </a:cxn>
+              <a:cxn ang="0">
+                <a:pos x="connsiteX2" y="connsiteY2"/>
+              </a:cxn>
+              <a:cxn ang="0">
+                <a:pos x="connsiteX3" y="connsiteY3"/>
+              </a:cxn>
+              <a:cxn ang="0">
+                <a:pos x="connsiteX4" y="connsiteY4"/>
+              </a:cxn>
+              <a:cxn ang="0">
+                <a:pos x="connsiteX5" y="connsiteY5"/>
+              </a:cxn>
+              <a:cxn ang="0">
+                <a:pos x="connsiteX6" y="connsiteY6"/>
+              </a:cxn>
+              <a:cxn ang="0">
+                <a:pos x="connsiteX7" y="connsiteY7"/>
+              </a:cxn>
+              <a:cxn ang="0">
+                <a:pos x="connsiteX8" y="connsiteY8"/>
+              </a:cxn>
+              <a:cxn ang="0">
+                <a:pos x="connsiteX9" y="connsiteY9"/>
+              </a:cxn>
+              <a:cxn ang="0">
+                <a:pos x="connsiteX10" y="connsiteY10"/>
+              </a:cxn>
+              <a:cxn ang="0">
+                <a:pos x="connsiteX11" y="connsiteY11"/>
+              </a:cxn>
+              <a:cxn ang="0">
+                <a:pos x="connsiteX12" y="connsiteY12"/>
+              </a:cxn>
+              <a:cxn ang="0">
+                <a:pos x="connsiteX13" y="connsiteY13"/>
+              </a:cxn>
+              <a:cxn ang="0">
+                <a:pos x="connsiteX14" y="connsiteY14"/>
+              </a:cxn>
+              <a:cxn ang="0">
+                <a:pos x="connsiteX15" y="connsiteY15"/>
+              </a:cxn>
+              <a:cxn ang="0">
+                <a:pos x="connsiteX16" y="connsiteY16"/>
+              </a:cxn>
+              <a:cxn ang="0">
+                <a:pos x="connsiteX17" y="connsiteY17"/>
+              </a:cxn>
+              <a:cxn ang="0">
+                <a:pos x="connsiteX18" y="connsiteY18"/>
+              </a:cxn>
+              <a:cxn ang="0">
+                <a:pos x="connsiteX19" y="connsiteY19"/>
+              </a:cxn>
+              <a:cxn ang="0">
+                <a:pos x="connsiteX20" y="connsiteY20"/>
+              </a:cxn>
+              <a:cxn ang="0">
+                <a:pos x="connsiteX21" y="connsiteY21"/>
+              </a:cxn>
+              <a:cxn ang="0">
+                <a:pos x="connsiteX22" y="connsiteY22"/>
+              </a:cxn>
+              <a:cxn ang="0">
+                <a:pos x="connsiteX23" y="connsiteY23"/>
+              </a:cxn>
+              <a:cxn ang="0">
+                <a:pos x="connsiteX24" y="connsiteY24"/>
+              </a:cxn>
+              <a:cxn ang="0">
+                <a:pos x="connsiteX25" y="connsiteY25"/>
+              </a:cxn>
+              <a:cxn ang="0">
+                <a:pos x="connsiteX26" y="connsiteY26"/>
+              </a:cxn>
+              <a:cxn ang="0">
+                <a:pos x="connsiteX27" y="connsiteY27"/>
+              </a:cxn>
+              <a:cxn ang="0">
+                <a:pos x="connsiteX28" y="connsiteY28"/>
+              </a:cxn>
+              <a:cxn ang="0">
+                <a:pos x="connsiteX29" y="connsiteY29"/>
+              </a:cxn>
+              <a:cxn ang="0">
+                <a:pos x="connsiteX30" y="connsiteY30"/>
+              </a:cxn>
+              <a:cxn ang="0">
+                <a:pos x="connsiteX31" y="connsiteY31"/>
+              </a:cxn>
+              <a:cxn ang="0">
+                <a:pos x="connsiteX32" y="connsiteY32"/>
+              </a:cxn>
+              <a:cxn ang="0">
+                <a:pos x="connsiteX33" y="connsiteY33"/>
+              </a:cxn>
+              <a:cxn ang="0">
+                <a:pos x="connsiteX34" y="connsiteY34"/>
+              </a:cxn>
+              <a:cxn ang="0">
+                <a:pos x="connsiteX35" y="connsiteY35"/>
+              </a:cxn>
+              <a:cxn ang="0">
+                <a:pos x="connsiteX36" y="connsiteY36"/>
+              </a:cxn>
+              <a:cxn ang="0">
+                <a:pos x="connsiteX37" y="connsiteY37"/>
+              </a:cxn>
+              <a:cxn ang="0">
+                <a:pos x="connsiteX38" y="connsiteY38"/>
+              </a:cxn>
+              <a:cxn ang="0">
+                <a:pos x="connsiteX39" y="connsiteY39"/>
+              </a:cxn>
+              <a:cxn ang="0">
+                <a:pos x="connsiteX40" y="connsiteY40"/>
+              </a:cxn>
+              <a:cxn ang="0">
+                <a:pos x="connsiteX41" y="connsiteY41"/>
+              </a:cxn>
+              <a:cxn ang="0">
+                <a:pos x="connsiteX42" y="connsiteY42"/>
+              </a:cxn>
+              <a:cxn ang="0">
+                <a:pos x="connsiteX43" y="connsiteY43"/>
+              </a:cxn>
+              <a:cxn ang="0">
+                <a:pos x="connsiteX44" y="connsiteY44"/>
+              </a:cxn>
+              <a:cxn ang="0">
+                <a:pos x="connsiteX45" y="connsiteY45"/>
+              </a:cxn>
+              <a:cxn ang="0">
+                <a:pos x="connsiteX46" y="connsiteY46"/>
+              </a:cxn>
+              <a:cxn ang="0">
+                <a:pos x="connsiteX47" y="connsiteY47"/>
+              </a:cxn>
+              <a:cxn ang="0">
+                <a:pos x="connsiteX48" y="connsiteY48"/>
+              </a:cxn>
+              <a:cxn ang="0">
+                <a:pos x="connsiteX49" y="connsiteY49"/>
+              </a:cxn>
+              <a:cxn ang="0">
+                <a:pos x="connsiteX50" y="connsiteY50"/>
+              </a:cxn>
+              <a:cxn ang="0">
+                <a:pos x="connsiteX51" y="connsiteY51"/>
+              </a:cxn>
+              <a:cxn ang="0">
+                <a:pos x="connsiteX52" y="connsiteY52"/>
+              </a:cxn>
+              <a:cxn ang="0">
+                <a:pos x="connsiteX53" y="connsiteY53"/>
+              </a:cxn>
+              <a:cxn ang="0">
+                <a:pos x="connsiteX54" y="connsiteY54"/>
+              </a:cxn>
+              <a:cxn ang="0">
+                <a:pos x="connsiteX55" y="connsiteY55"/>
+              </a:cxn>
+              <a:cxn ang="0">
+                <a:pos x="connsiteX56" y="connsiteY56"/>
+              </a:cxn>
+              <a:cxn ang="0">
+                <a:pos x="connsiteX57" y="connsiteY57"/>
+              </a:cxn>
+              <a:cxn ang="0">
+                <a:pos x="connsiteX58" y="connsiteY58"/>
+              </a:cxn>
+              <a:cxn ang="0">
+                <a:pos x="connsiteX59" y="connsiteY59"/>
+              </a:cxn>
+              <a:cxn ang="0">
+                <a:pos x="connsiteX60" y="connsiteY60"/>
+              </a:cxn>
+              <a:cxn ang="0">
+                <a:pos x="connsiteX61" y="connsiteY61"/>
+              </a:cxn>
+              <a:cxn ang="0">
+                <a:pos x="connsiteX62" y="connsiteY62"/>
+              </a:cxn>
+              <a:cxn ang="0">
+                <a:pos x="connsiteX63" y="connsiteY63"/>
+              </a:cxn>
+              <a:cxn ang="0">
+                <a:pos x="connsiteX64" y="connsiteY64"/>
+              </a:cxn>
+              <a:cxn ang="0">
+                <a:pos x="connsiteX65" y="connsiteY65"/>
+              </a:cxn>
+              <a:cxn ang="0">
+                <a:pos x="connsiteX66" y="connsiteY66"/>
+              </a:cxn>
+              <a:cxn ang="0">
+                <a:pos x="connsiteX67" y="connsiteY67"/>
+              </a:cxn>
+              <a:cxn ang="0">
+                <a:pos x="connsiteX68" y="connsiteY68"/>
+              </a:cxn>
+              <a:cxn ang="0">
+                <a:pos x="connsiteX69" y="connsiteY69"/>
+              </a:cxn>
+              <a:cxn ang="0">
+                <a:pos x="connsiteX70" y="connsiteY70"/>
+              </a:cxn>
+              <a:cxn ang="0">
+                <a:pos x="connsiteX71" y="connsiteY71"/>
+              </a:cxn>
+              <a:cxn ang="0">
+                <a:pos x="connsiteX72" y="connsiteY72"/>
+              </a:cxn>
+              <a:cxn ang="0">
+                <a:pos x="connsiteX73" y="connsiteY73"/>
+              </a:cxn>
+              <a:cxn ang="0">
+                <a:pos x="connsiteX74" y="connsiteY74"/>
+              </a:cxn>
+              <a:cxn ang="0">
+                <a:pos x="connsiteX75" y="connsiteY75"/>
+              </a:cxn>
+              <a:cxn ang="0">
+                <a:pos x="connsiteX76" y="connsiteY76"/>
+              </a:cxn>
+              <a:cxn ang="0">
+                <a:pos x="connsiteX77" y="connsiteY77"/>
+              </a:cxn>
+              <a:cxn ang="0">
+                <a:pos x="connsiteX78" y="connsiteY78"/>
+              </a:cxn>
+              <a:cxn ang="0">
+                <a:pos x="connsiteX79" y="connsiteY79"/>
+              </a:cxn>
+              <a:cxn ang="0">
+                <a:pos x="connsiteX80" y="connsiteY80"/>
+              </a:cxn>
+              <a:cxn ang="0">
+                <a:pos x="connsiteX81" y="connsiteY81"/>
+              </a:cxn>
+              <a:cxn ang="0">
+                <a:pos x="connsiteX82" y="connsiteY82"/>
+              </a:cxn>
+              <a:cxn ang="0">
+                <a:pos x="connsiteX83" y="connsiteY83"/>
+              </a:cxn>
+              <a:cxn ang="0">
+                <a:pos x="connsiteX84" y="connsiteY84"/>
+              </a:cxn>
+              <a:cxn ang="0">
+                <a:pos x="connsiteX85" y="connsiteY85"/>
+              </a:cxn>
+              <a:cxn ang="0">
+                <a:pos x="connsiteX86" y="connsiteY86"/>
+              </a:cxn>
+              <a:cxn ang="0">
+                <a:pos x="connsiteX87" y="connsiteY87"/>
+              </a:cxn>
+              <a:cxn ang="0">
+                <a:pos x="connsiteX88" y="connsiteY88"/>
+              </a:cxn>
+              <a:cxn ang="0">
+                <a:pos x="connsiteX89" y="connsiteY89"/>
+              </a:cxn>
+              <a:cxn ang="0">
+                <a:pos x="connsiteX90" y="connsiteY90"/>
+              </a:cxn>
+              <a:cxn ang="0">
+                <a:pos x="connsiteX91" y="connsiteY91"/>
+              </a:cxn>
+              <a:cxn ang="0">
+                <a:pos x="connsiteX92" y="connsiteY92"/>
+              </a:cxn>
+              <a:cxn ang="0">
+                <a:pos x="connsiteX93" y="connsiteY93"/>
+              </a:cxn>
+              <a:cxn ang="0">
+                <a:pos x="connsiteX94" y="connsiteY94"/>
+              </a:cxn>
+              <a:cxn ang="0">
+                <a:pos x="connsiteX95" y="connsiteY95"/>
+              </a:cxn>
+              <a:cxn ang="0">
+                <a:pos x="connsiteX96" y="connsiteY96"/>
+              </a:cxn>
+              <a:cxn ang="0">
+                <a:pos x="connsiteX97" y="connsiteY97"/>
+              </a:cxn>
+              <a:cxn ang="0">
+                <a:pos x="connsiteX98" y="connsiteY98"/>
+              </a:cxn>
+              <a:cxn ang="0">
+                <a:pos x="connsiteX99" y="connsiteY99"/>
+              </a:cxn>
+              <a:cxn ang="0">
+                <a:pos x="connsiteX100" y="connsiteY100"/>
+              </a:cxn>
+              <a:cxn ang="0">
+                <a:pos x="connsiteX101" y="connsiteY101"/>
+              </a:cxn>
+              <a:cxn ang="0">
+                <a:pos x="connsiteX102" y="connsiteY102"/>
+              </a:cxn>
+              <a:cxn ang="0">
+                <a:pos x="connsiteX103" y="connsiteY103"/>
+              </a:cxn>
+              <a:cxn ang="0">
+                <a:pos x="connsiteX104" y="connsiteY104"/>
+              </a:cxn>
+              <a:cxn ang="0">
+                <a:pos x="connsiteX105" y="connsiteY105"/>
+              </a:cxn>
+              <a:cxn ang="0">
+                <a:pos x="connsiteX106" y="connsiteY106"/>
+              </a:cxn>
+              <a:cxn ang="0">
+                <a:pos x="connsiteX107" y="connsiteY107"/>
+              </a:cxn>
+              <a:cxn ang="0">
+                <a:pos x="connsiteX108" y="connsiteY108"/>
+              </a:cxn>
+              <a:cxn ang="0">
+                <a:pos x="connsiteX109" y="connsiteY109"/>
+              </a:cxn>
+              <a:cxn ang="0">
+                <a:pos x="connsiteX110" y="connsiteY110"/>
+              </a:cxn>
+              <a:cxn ang="0">
+                <a:pos x="connsiteX111" y="connsiteY111"/>
+              </a:cxn>
+              <a:cxn ang="0">
+                <a:pos x="connsiteX112" y="connsiteY112"/>
+              </a:cxn>
+              <a:cxn ang="0">
+                <a:pos x="connsiteX113" y="connsiteY113"/>
+              </a:cxn>
+              <a:cxn ang="0">
+                <a:pos x="connsiteX114" y="connsiteY114"/>
+              </a:cxn>
+              <a:cxn ang="0">
+                <a:pos x="connsiteX115" y="connsiteY115"/>
+              </a:cxn>
+            </a:cxnLst>
+            <a:rect l="l" t="t" r="r" b="b"/>
+            <a:pathLst>
+              <a:path w="2786332" h="1125913">
+                <a:moveTo>
+                  <a:pt x="1181819" y="86265"/>
+                </a:moveTo>
+                <a:cubicBezTo>
+                  <a:pt x="1119092" y="133310"/>
+                  <a:pt x="1126910" y="138812"/>
+                  <a:pt x="1061049" y="155276"/>
+                </a:cubicBezTo>
+                <a:cubicBezTo>
+                  <a:pt x="1049547" y="158151"/>
+                  <a:pt x="1037899" y="160495"/>
+                  <a:pt x="1026543" y="163902"/>
+                </a:cubicBezTo>
+                <a:cubicBezTo>
+                  <a:pt x="1009124" y="169128"/>
+                  <a:pt x="974785" y="181155"/>
+                  <a:pt x="974785" y="181155"/>
+                </a:cubicBezTo>
+                <a:lnTo>
+                  <a:pt x="923026" y="215661"/>
+                </a:lnTo>
+                <a:cubicBezTo>
+                  <a:pt x="914400" y="221412"/>
+                  <a:pt x="906420" y="228278"/>
+                  <a:pt x="897147" y="232914"/>
+                </a:cubicBezTo>
+                <a:cubicBezTo>
+                  <a:pt x="885645" y="238665"/>
+                  <a:pt x="873341" y="243033"/>
+                  <a:pt x="862641" y="250166"/>
+                </a:cubicBezTo>
+                <a:cubicBezTo>
+                  <a:pt x="838716" y="266116"/>
+                  <a:pt x="818596" y="287659"/>
+                  <a:pt x="793630" y="301925"/>
+                </a:cubicBezTo>
+                <a:cubicBezTo>
+                  <a:pt x="777840" y="310948"/>
+                  <a:pt x="759124" y="313427"/>
+                  <a:pt x="741871" y="319178"/>
+                </a:cubicBezTo>
+                <a:cubicBezTo>
+                  <a:pt x="704748" y="331552"/>
+                  <a:pt x="724808" y="325600"/>
+                  <a:pt x="681486" y="336431"/>
+                </a:cubicBezTo>
+                <a:cubicBezTo>
+                  <a:pt x="667109" y="345057"/>
+                  <a:pt x="653351" y="354812"/>
+                  <a:pt x="638354" y="362310"/>
+                </a:cubicBezTo>
+                <a:cubicBezTo>
+                  <a:pt x="624504" y="369235"/>
+                  <a:pt x="608758" y="372043"/>
+                  <a:pt x="595222" y="379563"/>
+                </a:cubicBezTo>
+                <a:cubicBezTo>
+                  <a:pt x="582654" y="386545"/>
+                  <a:pt x="573200" y="398309"/>
+                  <a:pt x="560717" y="405442"/>
+                </a:cubicBezTo>
+                <a:cubicBezTo>
+                  <a:pt x="504396" y="437625"/>
+                  <a:pt x="568767" y="382438"/>
+                  <a:pt x="500332" y="431321"/>
+                </a:cubicBezTo>
+                <a:cubicBezTo>
+                  <a:pt x="490405" y="438412"/>
+                  <a:pt x="483825" y="449390"/>
+                  <a:pt x="474453" y="457200"/>
+                </a:cubicBezTo>
+                <a:cubicBezTo>
+                  <a:pt x="449266" y="478189"/>
+                  <a:pt x="415001" y="490306"/>
+                  <a:pt x="396815" y="517585"/>
+                </a:cubicBezTo>
+                <a:cubicBezTo>
+                  <a:pt x="377350" y="546783"/>
+                  <a:pt x="384650" y="543022"/>
+                  <a:pt x="353683" y="560717"/>
+                </a:cubicBezTo>
+                <a:cubicBezTo>
+                  <a:pt x="303137" y="589600"/>
+                  <a:pt x="335332" y="565199"/>
+                  <a:pt x="293298" y="595223"/>
+                </a:cubicBezTo>
+                <a:cubicBezTo>
+                  <a:pt x="281599" y="603580"/>
+                  <a:pt x="271846" y="615077"/>
+                  <a:pt x="258792" y="621102"/>
+                </a:cubicBezTo>
+                <a:cubicBezTo>
+                  <a:pt x="234024" y="632534"/>
+                  <a:pt x="207033" y="638355"/>
+                  <a:pt x="181154" y="646982"/>
+                </a:cubicBezTo>
+                <a:lnTo>
+                  <a:pt x="155275" y="655608"/>
+                </a:lnTo>
+                <a:cubicBezTo>
+                  <a:pt x="146649" y="661359"/>
+                  <a:pt x="135147" y="664235"/>
+                  <a:pt x="129396" y="672861"/>
+                </a:cubicBezTo>
+                <a:cubicBezTo>
+                  <a:pt x="128944" y="673539"/>
+                  <a:pt x="116558" y="728831"/>
+                  <a:pt x="112143" y="733246"/>
+                </a:cubicBezTo>
+                <a:cubicBezTo>
+                  <a:pt x="105713" y="739676"/>
+                  <a:pt x="94890" y="738997"/>
+                  <a:pt x="86264" y="741872"/>
+                </a:cubicBezTo>
+                <a:cubicBezTo>
+                  <a:pt x="77638" y="747623"/>
+                  <a:pt x="67212" y="751323"/>
+                  <a:pt x="60385" y="759125"/>
+                </a:cubicBezTo>
+                <a:cubicBezTo>
+                  <a:pt x="46731" y="774730"/>
+                  <a:pt x="25879" y="810883"/>
+                  <a:pt x="25879" y="810883"/>
+                </a:cubicBezTo>
+                <a:cubicBezTo>
+                  <a:pt x="4877" y="873890"/>
+                  <a:pt x="13037" y="844999"/>
+                  <a:pt x="0" y="897148"/>
+                </a:cubicBezTo>
+                <a:cubicBezTo>
+                  <a:pt x="4224" y="943614"/>
+                  <a:pt x="-7248" y="984790"/>
+                  <a:pt x="25879" y="1017917"/>
+                </a:cubicBezTo>
+                <a:cubicBezTo>
+                  <a:pt x="33210" y="1025248"/>
+                  <a:pt x="43132" y="1029419"/>
+                  <a:pt x="51758" y="1035170"/>
+                </a:cubicBezTo>
+                <a:cubicBezTo>
+                  <a:pt x="103517" y="1032295"/>
+                  <a:pt x="156111" y="1036243"/>
+                  <a:pt x="207034" y="1026544"/>
+                </a:cubicBezTo>
+                <a:cubicBezTo>
+                  <a:pt x="219018" y="1024261"/>
+                  <a:pt x="222249" y="1006590"/>
+                  <a:pt x="232913" y="1000665"/>
+                </a:cubicBezTo>
+                <a:cubicBezTo>
+                  <a:pt x="248810" y="991833"/>
+                  <a:pt x="284671" y="983412"/>
+                  <a:pt x="284671" y="983412"/>
+                </a:cubicBezTo>
+                <a:cubicBezTo>
+                  <a:pt x="301925" y="931654"/>
+                  <a:pt x="278920" y="977661"/>
+                  <a:pt x="319177" y="948906"/>
+                </a:cubicBezTo>
+                <a:cubicBezTo>
+                  <a:pt x="425990" y="872609"/>
+                  <a:pt x="288999" y="955365"/>
+                  <a:pt x="379562" y="879895"/>
+                </a:cubicBezTo>
+                <a:cubicBezTo>
+                  <a:pt x="386547" y="874074"/>
+                  <a:pt x="396815" y="874144"/>
+                  <a:pt x="405441" y="871268"/>
+                </a:cubicBezTo>
+                <a:cubicBezTo>
+                  <a:pt x="433128" y="834352"/>
+                  <a:pt x="451391" y="806614"/>
+                  <a:pt x="491705" y="776378"/>
+                </a:cubicBezTo>
+                <a:cubicBezTo>
+                  <a:pt x="514709" y="759125"/>
+                  <a:pt x="533438" y="733712"/>
+                  <a:pt x="560717" y="724619"/>
+                </a:cubicBezTo>
+                <a:lnTo>
+                  <a:pt x="586596" y="715993"/>
+                </a:lnTo>
+                <a:cubicBezTo>
+                  <a:pt x="598098" y="704491"/>
+                  <a:pt x="612481" y="695281"/>
+                  <a:pt x="621102" y="681487"/>
+                </a:cubicBezTo>
+                <a:cubicBezTo>
+                  <a:pt x="627385" y="671433"/>
+                  <a:pt x="623152" y="656847"/>
+                  <a:pt x="629728" y="646982"/>
+                </a:cubicBezTo>
+                <a:cubicBezTo>
+                  <a:pt x="635479" y="638356"/>
+                  <a:pt x="647642" y="636366"/>
+                  <a:pt x="655607" y="629729"/>
+                </a:cubicBezTo>
+                <a:cubicBezTo>
+                  <a:pt x="708064" y="586014"/>
+                  <a:pt x="652143" y="618521"/>
+                  <a:pt x="715992" y="586597"/>
+                </a:cubicBezTo>
+                <a:cubicBezTo>
+                  <a:pt x="791598" y="510988"/>
+                  <a:pt x="695690" y="603515"/>
+                  <a:pt x="767751" y="543465"/>
+                </a:cubicBezTo>
+                <a:cubicBezTo>
+                  <a:pt x="832447" y="489552"/>
+                  <a:pt x="746114" y="546094"/>
+                  <a:pt x="836762" y="491706"/>
+                </a:cubicBezTo>
+                <a:cubicBezTo>
+                  <a:pt x="842513" y="483080"/>
+                  <a:pt x="847378" y="473792"/>
+                  <a:pt x="854015" y="465827"/>
+                </a:cubicBezTo>
+                <a:cubicBezTo>
+                  <a:pt x="872456" y="443698"/>
+                  <a:pt x="890883" y="430866"/>
+                  <a:pt x="914400" y="414068"/>
+                </a:cubicBezTo>
+                <a:cubicBezTo>
+                  <a:pt x="922836" y="408042"/>
+                  <a:pt x="931006" y="401452"/>
+                  <a:pt x="940279" y="396816"/>
+                </a:cubicBezTo>
+                <a:cubicBezTo>
+                  <a:pt x="948412" y="392749"/>
+                  <a:pt x="957800" y="391771"/>
+                  <a:pt x="966158" y="388189"/>
+                </a:cubicBezTo>
+                <a:cubicBezTo>
+                  <a:pt x="1040763" y="356215"/>
+                  <a:pt x="965862" y="382536"/>
+                  <a:pt x="1026543" y="362310"/>
+                </a:cubicBezTo>
+                <a:cubicBezTo>
+                  <a:pt x="1035169" y="353684"/>
+                  <a:pt x="1042495" y="343522"/>
+                  <a:pt x="1052422" y="336431"/>
+                </a:cubicBezTo>
+                <a:cubicBezTo>
+                  <a:pt x="1112882" y="293246"/>
+                  <a:pt x="1062127" y="338706"/>
+                  <a:pt x="1112807" y="310551"/>
+                </a:cubicBezTo>
+                <a:cubicBezTo>
+                  <a:pt x="1130933" y="300481"/>
+                  <a:pt x="1146020" y="285319"/>
+                  <a:pt x="1164566" y="276046"/>
+                </a:cubicBezTo>
+                <a:cubicBezTo>
+                  <a:pt x="1176068" y="270295"/>
+                  <a:pt x="1187906" y="265173"/>
+                  <a:pt x="1199071" y="258793"/>
+                </a:cubicBezTo>
+                <a:cubicBezTo>
+                  <a:pt x="1222474" y="245420"/>
+                  <a:pt x="1232021" y="232517"/>
+                  <a:pt x="1259456" y="224287"/>
+                </a:cubicBezTo>
+                <a:cubicBezTo>
+                  <a:pt x="1276209" y="219261"/>
+                  <a:pt x="1293962" y="218536"/>
+                  <a:pt x="1311215" y="215661"/>
+                </a:cubicBezTo>
+                <a:cubicBezTo>
+                  <a:pt x="1319841" y="209910"/>
+                  <a:pt x="1326867" y="200113"/>
+                  <a:pt x="1337094" y="198408"/>
+                </a:cubicBezTo>
+                <a:cubicBezTo>
+                  <a:pt x="1355058" y="195414"/>
+                  <a:pt x="1389781" y="227141"/>
+                  <a:pt x="1397479" y="232914"/>
+                </a:cubicBezTo>
+                <a:cubicBezTo>
+                  <a:pt x="1403230" y="250167"/>
+                  <a:pt x="1415942" y="266526"/>
+                  <a:pt x="1414732" y="284672"/>
+                </a:cubicBezTo>
+                <a:cubicBezTo>
+                  <a:pt x="1409965" y="356178"/>
+                  <a:pt x="1415437" y="410652"/>
+                  <a:pt x="1388853" y="474453"/>
+                </a:cubicBezTo>
+                <a:cubicBezTo>
+                  <a:pt x="1382404" y="489930"/>
+                  <a:pt x="1370472" y="502588"/>
+                  <a:pt x="1362973" y="517585"/>
+                </a:cubicBezTo>
+                <a:cubicBezTo>
+                  <a:pt x="1356048" y="531435"/>
+                  <a:pt x="1351157" y="546218"/>
+                  <a:pt x="1345720" y="560717"/>
+                </a:cubicBezTo>
+                <a:cubicBezTo>
+                  <a:pt x="1321074" y="626442"/>
+                  <a:pt x="1359842" y="542238"/>
+                  <a:pt x="1311215" y="612476"/>
+                </a:cubicBezTo>
+                <a:cubicBezTo>
+                  <a:pt x="1292127" y="640047"/>
+                  <a:pt x="1259456" y="698740"/>
+                  <a:pt x="1259456" y="698740"/>
+                </a:cubicBezTo>
+                <a:cubicBezTo>
+                  <a:pt x="1254285" y="729769"/>
+                  <a:pt x="1253788" y="749346"/>
+                  <a:pt x="1242203" y="776378"/>
+                </a:cubicBezTo>
+                <a:cubicBezTo>
+                  <a:pt x="1237137" y="788197"/>
+                  <a:pt x="1229727" y="798944"/>
+                  <a:pt x="1224951" y="810883"/>
+                </a:cubicBezTo>
+                <a:cubicBezTo>
+                  <a:pt x="1218197" y="827769"/>
+                  <a:pt x="1207698" y="862642"/>
+                  <a:pt x="1207698" y="862642"/>
+                </a:cubicBezTo>
+                <a:cubicBezTo>
+                  <a:pt x="1203233" y="896128"/>
+                  <a:pt x="1177222" y="994638"/>
+                  <a:pt x="1199071" y="1043797"/>
+                </a:cubicBezTo>
+                <a:cubicBezTo>
+                  <a:pt x="1204026" y="1054945"/>
+                  <a:pt x="1214359" y="1063623"/>
+                  <a:pt x="1224951" y="1069676"/>
+                </a:cubicBezTo>
+                <a:cubicBezTo>
+                  <a:pt x="1235547" y="1075731"/>
+                  <a:pt x="1308070" y="1086405"/>
+                  <a:pt x="1311215" y="1086929"/>
+                </a:cubicBezTo>
+                <a:cubicBezTo>
+                  <a:pt x="1349219" y="1081499"/>
+                  <a:pt x="1371327" y="1087202"/>
+                  <a:pt x="1397479" y="1061050"/>
+                </a:cubicBezTo>
+                <a:cubicBezTo>
+                  <a:pt x="1407645" y="1050884"/>
+                  <a:pt x="1414732" y="1038046"/>
+                  <a:pt x="1423358" y="1026544"/>
+                </a:cubicBezTo>
+                <a:cubicBezTo>
+                  <a:pt x="1446363" y="957533"/>
+                  <a:pt x="1411856" y="1038046"/>
+                  <a:pt x="1457864" y="992038"/>
+                </a:cubicBezTo>
+                <a:cubicBezTo>
+                  <a:pt x="1486007" y="963895"/>
+                  <a:pt x="1491467" y="937545"/>
+                  <a:pt x="1509622" y="905774"/>
+                </a:cubicBezTo>
+                <a:cubicBezTo>
+                  <a:pt x="1514766" y="896772"/>
+                  <a:pt x="1521124" y="888521"/>
+                  <a:pt x="1526875" y="879895"/>
+                </a:cubicBezTo>
+                <a:cubicBezTo>
+                  <a:pt x="1529751" y="868393"/>
+                  <a:pt x="1530832" y="856286"/>
+                  <a:pt x="1535502" y="845389"/>
+                </a:cubicBezTo>
+                <a:cubicBezTo>
+                  <a:pt x="1539586" y="835860"/>
+                  <a:pt x="1550026" y="829512"/>
+                  <a:pt x="1552754" y="819510"/>
+                </a:cubicBezTo>
+                <a:cubicBezTo>
+                  <a:pt x="1558854" y="797144"/>
+                  <a:pt x="1557942" y="773425"/>
+                  <a:pt x="1561381" y="750499"/>
+                </a:cubicBezTo>
+                <a:cubicBezTo>
+                  <a:pt x="1566570" y="715904"/>
+                  <a:pt x="1578634" y="646982"/>
+                  <a:pt x="1578634" y="646982"/>
+                </a:cubicBezTo>
+                <a:cubicBezTo>
+                  <a:pt x="1575758" y="563593"/>
+                  <a:pt x="1575212" y="480092"/>
+                  <a:pt x="1570007" y="396816"/>
+                </a:cubicBezTo>
+                <a:cubicBezTo>
+                  <a:pt x="1569440" y="387740"/>
+                  <a:pt x="1565797" y="378885"/>
+                  <a:pt x="1561381" y="370936"/>
+                </a:cubicBezTo>
+                <a:cubicBezTo>
+                  <a:pt x="1551311" y="352810"/>
+                  <a:pt x="1526875" y="319178"/>
+                  <a:pt x="1526875" y="319178"/>
+                </a:cubicBezTo>
+                <a:cubicBezTo>
+                  <a:pt x="1521124" y="301925"/>
+                  <a:pt x="1517755" y="283685"/>
+                  <a:pt x="1509622" y="267419"/>
+                </a:cubicBezTo>
+                <a:cubicBezTo>
+                  <a:pt x="1487733" y="223641"/>
+                  <a:pt x="1499503" y="243614"/>
+                  <a:pt x="1475117" y="207034"/>
+                </a:cubicBezTo>
+                <a:cubicBezTo>
+                  <a:pt x="1477992" y="198408"/>
+                  <a:pt x="1477313" y="187585"/>
+                  <a:pt x="1483743" y="181155"/>
+                </a:cubicBezTo>
+                <a:cubicBezTo>
+                  <a:pt x="1490173" y="174725"/>
+                  <a:pt x="1500529" y="172529"/>
+                  <a:pt x="1509622" y="172529"/>
+                </a:cubicBezTo>
+                <a:cubicBezTo>
+                  <a:pt x="1538520" y="172529"/>
+                  <a:pt x="1567131" y="178280"/>
+                  <a:pt x="1595886" y="181155"/>
+                </a:cubicBezTo>
+                <a:cubicBezTo>
+                  <a:pt x="1604513" y="189781"/>
+                  <a:pt x="1613826" y="197771"/>
+                  <a:pt x="1621766" y="207034"/>
+                </a:cubicBezTo>
+                <a:cubicBezTo>
+                  <a:pt x="1637811" y="225753"/>
+                  <a:pt x="1651246" y="246942"/>
+                  <a:pt x="1664898" y="267419"/>
+                </a:cubicBezTo>
+                <a:cubicBezTo>
+                  <a:pt x="1677241" y="304448"/>
+                  <a:pt x="1680365" y="321953"/>
+                  <a:pt x="1699403" y="353683"/>
+                </a:cubicBezTo>
+                <a:cubicBezTo>
+                  <a:pt x="1710071" y="371464"/>
+                  <a:pt x="1719247" y="390780"/>
+                  <a:pt x="1733909" y="405442"/>
+                </a:cubicBezTo>
+                <a:cubicBezTo>
+                  <a:pt x="1767973" y="439506"/>
+                  <a:pt x="1848896" y="490726"/>
+                  <a:pt x="1889185" y="517585"/>
+                </a:cubicBezTo>
+                <a:cubicBezTo>
+                  <a:pt x="1959339" y="622820"/>
+                  <a:pt x="1896732" y="524269"/>
+                  <a:pt x="1940943" y="603850"/>
+                </a:cubicBezTo>
+                <a:cubicBezTo>
+                  <a:pt x="1949086" y="618507"/>
+                  <a:pt x="1959324" y="631985"/>
+                  <a:pt x="1966822" y="646982"/>
+                </a:cubicBezTo>
+                <a:cubicBezTo>
+                  <a:pt x="2000121" y="713578"/>
+                  <a:pt x="1926590" y="617307"/>
+                  <a:pt x="2001328" y="741872"/>
+                </a:cubicBezTo>
+                <a:cubicBezTo>
+                  <a:pt x="2006662" y="750762"/>
+                  <a:pt x="2018581" y="753374"/>
+                  <a:pt x="2027207" y="759125"/>
+                </a:cubicBezTo>
+                <a:cubicBezTo>
+                  <a:pt x="2044910" y="785679"/>
+                  <a:pt x="2055322" y="802915"/>
+                  <a:pt x="2078966" y="828136"/>
+                </a:cubicBezTo>
+                <a:cubicBezTo>
+                  <a:pt x="2109560" y="860770"/>
+                  <a:pt x="2135499" y="900013"/>
+                  <a:pt x="2173856" y="923027"/>
+                </a:cubicBezTo>
+                <a:cubicBezTo>
+                  <a:pt x="2188233" y="931653"/>
+                  <a:pt x="2201991" y="941408"/>
+                  <a:pt x="2216988" y="948906"/>
+                </a:cubicBezTo>
+                <a:cubicBezTo>
+                  <a:pt x="2269335" y="975080"/>
+                  <a:pt x="2214557" y="934404"/>
+                  <a:pt x="2277373" y="974785"/>
+                </a:cubicBezTo>
+                <a:cubicBezTo>
+                  <a:pt x="2331638" y="1009670"/>
+                  <a:pt x="2380400" y="1053952"/>
+                  <a:pt x="2441275" y="1078302"/>
+                </a:cubicBezTo>
+                <a:cubicBezTo>
+                  <a:pt x="2447929" y="1080964"/>
+                  <a:pt x="2551466" y="1095276"/>
+                  <a:pt x="2553419" y="1095555"/>
+                </a:cubicBezTo>
+                <a:cubicBezTo>
+                  <a:pt x="2619465" y="1115369"/>
+                  <a:pt x="2671337" y="1142398"/>
+                  <a:pt x="2743200" y="1112808"/>
+                </a:cubicBezTo>
+                <a:cubicBezTo>
+                  <a:pt x="2763966" y="1104257"/>
+                  <a:pt x="2771955" y="1078303"/>
+                  <a:pt x="2786332" y="1061050"/>
+                </a:cubicBezTo>
+                <a:cubicBezTo>
+                  <a:pt x="2777706" y="1026544"/>
+                  <a:pt x="2772749" y="990908"/>
+                  <a:pt x="2760453" y="957533"/>
+                </a:cubicBezTo>
+                <a:cubicBezTo>
+                  <a:pt x="2734089" y="885973"/>
+                  <a:pt x="2608390" y="758496"/>
+                  <a:pt x="2579298" y="741872"/>
+                </a:cubicBezTo>
+                <a:cubicBezTo>
+                  <a:pt x="2539041" y="718868"/>
+                  <a:pt x="2497107" y="698580"/>
+                  <a:pt x="2458528" y="672861"/>
+                </a:cubicBezTo>
+                <a:cubicBezTo>
+                  <a:pt x="2436470" y="658156"/>
+                  <a:pt x="2419264" y="637125"/>
+                  <a:pt x="2398143" y="621102"/>
+                </a:cubicBezTo>
+                <a:cubicBezTo>
+                  <a:pt x="2335363" y="573476"/>
+                  <a:pt x="2112129" y="421162"/>
+                  <a:pt x="2053086" y="353683"/>
+                </a:cubicBezTo>
+                <a:cubicBezTo>
+                  <a:pt x="2032958" y="330679"/>
+                  <a:pt x="2013263" y="307289"/>
+                  <a:pt x="1992702" y="284672"/>
+                </a:cubicBezTo>
+                <a:cubicBezTo>
+                  <a:pt x="1970643" y="260407"/>
+                  <a:pt x="1927045" y="222490"/>
+                  <a:pt x="1906437" y="207034"/>
+                </a:cubicBezTo>
+                <a:cubicBezTo>
+                  <a:pt x="1893024" y="196974"/>
+                  <a:pt x="1877523" y="190041"/>
+                  <a:pt x="1863305" y="181155"/>
+                </a:cubicBezTo>
+                <a:cubicBezTo>
+                  <a:pt x="1854513" y="175660"/>
+                  <a:pt x="1844481" y="171499"/>
+                  <a:pt x="1837426" y="163902"/>
+                </a:cubicBezTo>
+                <a:cubicBezTo>
+                  <a:pt x="1806863" y="130988"/>
+                  <a:pt x="1782923" y="92146"/>
+                  <a:pt x="1751162" y="60385"/>
+                </a:cubicBezTo>
+                <a:cubicBezTo>
+                  <a:pt x="1742536" y="51759"/>
+                  <a:pt x="1736987" y="37948"/>
+                  <a:pt x="1725283" y="34506"/>
+                </a:cubicBezTo>
+                <a:cubicBezTo>
+                  <a:pt x="1686270" y="23032"/>
+                  <a:pt x="1644770" y="23004"/>
+                  <a:pt x="1604513" y="17253"/>
+                </a:cubicBezTo>
+                <a:cubicBezTo>
+                  <a:pt x="1572534" y="6594"/>
+                  <a:pt x="1586767" y="12694"/>
+                  <a:pt x="1561381" y="0"/>
+                </a:cubicBezTo>
+              </a:path>
+            </a:pathLst>
+          </a:custGeom>
+          <a:noFill/>
+          <a:ln>
+            <a:solidFill>
+              <a:srgbClr val="FF0000"/>
+            </a:solidFill>
+            <a:headEnd type="none" w="med" len="med"/>
+            <a:tailEnd type="arrow" w="med" len="med"/>
+          </a:ln>
+        </p:spPr>
+        <p:style>
+          <a:lnRef idx="2">
+            <a:schemeClr val="accent1">
+              <a:shade val="50000"/>
+            </a:schemeClr>
+          </a:lnRef>
+          <a:fillRef idx="1">
+            <a:schemeClr val="accent1"/>
+          </a:fillRef>
+          <a:effectRef idx="0">
+            <a:schemeClr val="accent1"/>
+          </a:effectRef>
+          <a:fontRef idx="minor">
+            <a:schemeClr val="lt1"/>
+          </a:fontRef>
+        </p:style>
+        <p:txBody>
+          <a:bodyPr rtlCol="0" anchor="ctr"/>
+          <a:lstStyle/>
+          <a:p>
+            <a:pPr algn="ctr"/>
+            <a:endParaRPr lang="ko-KR" altLang="en-US"/>
+          </a:p>
+        </p:txBody>
+      </p:sp>
+      <p:sp>
+        <p:nvSpPr>
+          <p:cNvPr id="25" name="자유형 24"/>
+          <p:cNvSpPr/>
+          <p:nvPr/>
+        </p:nvSpPr>
+        <p:spPr>
+          <a:xfrm>
+            <a:off x="2297186" y="3277948"/>
+            <a:ext cx="1121435" cy="483080"/>
+          </a:xfrm>
+          <a:custGeom>
+            <a:avLst/>
+            <a:gdLst>
+              <a:gd name="connsiteX0" fmla="*/ 0 w 1121435"/>
+              <a:gd name="connsiteY0" fmla="*/ 8627 h 483080"/>
+              <a:gd name="connsiteX1" fmla="*/ 25880 w 1121435"/>
+              <a:gd name="connsiteY1" fmla="*/ 207034 h 483080"/>
+              <a:gd name="connsiteX2" fmla="*/ 34506 w 1121435"/>
+              <a:gd name="connsiteY2" fmla="*/ 232914 h 483080"/>
+              <a:gd name="connsiteX3" fmla="*/ 43132 w 1121435"/>
+              <a:gd name="connsiteY3" fmla="*/ 267419 h 483080"/>
+              <a:gd name="connsiteX4" fmla="*/ 60385 w 1121435"/>
+              <a:gd name="connsiteY4" fmla="*/ 293298 h 483080"/>
+              <a:gd name="connsiteX5" fmla="*/ 69012 w 1121435"/>
+              <a:gd name="connsiteY5" fmla="*/ 336430 h 483080"/>
+              <a:gd name="connsiteX6" fmla="*/ 77638 w 1121435"/>
+              <a:gd name="connsiteY6" fmla="*/ 370936 h 483080"/>
+              <a:gd name="connsiteX7" fmla="*/ 129397 w 1121435"/>
+              <a:gd name="connsiteY7" fmla="*/ 405442 h 483080"/>
+              <a:gd name="connsiteX8" fmla="*/ 155276 w 1121435"/>
+              <a:gd name="connsiteY8" fmla="*/ 422695 h 483080"/>
+              <a:gd name="connsiteX9" fmla="*/ 224287 w 1121435"/>
+              <a:gd name="connsiteY9" fmla="*/ 457200 h 483080"/>
+              <a:gd name="connsiteX10" fmla="*/ 250166 w 1121435"/>
+              <a:gd name="connsiteY10" fmla="*/ 474453 h 483080"/>
+              <a:gd name="connsiteX11" fmla="*/ 310551 w 1121435"/>
+              <a:gd name="connsiteY11" fmla="*/ 483080 h 483080"/>
+              <a:gd name="connsiteX12" fmla="*/ 845389 w 1121435"/>
+              <a:gd name="connsiteY12" fmla="*/ 474453 h 483080"/>
+              <a:gd name="connsiteX13" fmla="*/ 871268 w 1121435"/>
+              <a:gd name="connsiteY13" fmla="*/ 457200 h 483080"/>
+              <a:gd name="connsiteX14" fmla="*/ 914400 w 1121435"/>
+              <a:gd name="connsiteY14" fmla="*/ 439947 h 483080"/>
+              <a:gd name="connsiteX15" fmla="*/ 940280 w 1121435"/>
+              <a:gd name="connsiteY15" fmla="*/ 422695 h 483080"/>
+              <a:gd name="connsiteX16" fmla="*/ 1009291 w 1121435"/>
+              <a:gd name="connsiteY16" fmla="*/ 362310 h 483080"/>
+              <a:gd name="connsiteX17" fmla="*/ 1061049 w 1121435"/>
+              <a:gd name="connsiteY17" fmla="*/ 293298 h 483080"/>
+              <a:gd name="connsiteX18" fmla="*/ 1086929 w 1121435"/>
+              <a:gd name="connsiteY18" fmla="*/ 198408 h 483080"/>
+              <a:gd name="connsiteX19" fmla="*/ 1112808 w 1121435"/>
+              <a:gd name="connsiteY19" fmla="*/ 155276 h 483080"/>
+              <a:gd name="connsiteX20" fmla="*/ 1121434 w 1121435"/>
+              <a:gd name="connsiteY20" fmla="*/ 0 h 483080"/>
+            </a:gdLst>
+            <a:ahLst/>
+            <a:cxnLst>
+              <a:cxn ang="0">
+                <a:pos x="connsiteX0" y="connsiteY0"/>
+              </a:cxn>
+              <a:cxn ang="0">
+                <a:pos x="connsiteX1" y="connsiteY1"/>
+              </a:cxn>
+              <a:cxn ang="0">
+                <a:pos x="connsiteX2" y="connsiteY2"/>
+              </a:cxn>
+              <a:cxn ang="0">
+                <a:pos x="connsiteX3" y="connsiteY3"/>
+              </a:cxn>
+              <a:cxn ang="0">
+                <a:pos x="connsiteX4" y="connsiteY4"/>
+              </a:cxn>
+              <a:cxn ang="0">
+                <a:pos x="connsiteX5" y="connsiteY5"/>
+              </a:cxn>
+              <a:cxn ang="0">
+                <a:pos x="connsiteX6" y="connsiteY6"/>
+              </a:cxn>
+              <a:cxn ang="0">
+                <a:pos x="connsiteX7" y="connsiteY7"/>
+              </a:cxn>
+              <a:cxn ang="0">
+                <a:pos x="connsiteX8" y="connsiteY8"/>
+              </a:cxn>
+              <a:cxn ang="0">
+                <a:pos x="connsiteX9" y="connsiteY9"/>
+              </a:cxn>
+              <a:cxn ang="0">
+                <a:pos x="connsiteX10" y="connsiteY10"/>
+              </a:cxn>
+              <a:cxn ang="0">
+                <a:pos x="connsiteX11" y="connsiteY11"/>
+              </a:cxn>
+              <a:cxn ang="0">
+                <a:pos x="connsiteX12" y="connsiteY12"/>
+              </a:cxn>
+              <a:cxn ang="0">
+                <a:pos x="connsiteX13" y="connsiteY13"/>
+              </a:cxn>
+              <a:cxn ang="0">
+                <a:pos x="connsiteX14" y="connsiteY14"/>
+              </a:cxn>
+              <a:cxn ang="0">
+                <a:pos x="connsiteX15" y="connsiteY15"/>
+              </a:cxn>
+              <a:cxn ang="0">
+                <a:pos x="connsiteX16" y="connsiteY16"/>
+              </a:cxn>
+              <a:cxn ang="0">
+                <a:pos x="connsiteX17" y="connsiteY17"/>
+              </a:cxn>
+              <a:cxn ang="0">
+                <a:pos x="connsiteX18" y="connsiteY18"/>
+              </a:cxn>
+              <a:cxn ang="0">
+                <a:pos x="connsiteX19" y="connsiteY19"/>
+              </a:cxn>
+              <a:cxn ang="0">
+                <a:pos x="connsiteX20" y="connsiteY20"/>
+              </a:cxn>
+            </a:cxnLst>
+            <a:rect l="l" t="t" r="r" b="b"/>
+            <a:pathLst>
+              <a:path w="1121435" h="483080">
+                <a:moveTo>
+                  <a:pt x="0" y="8627"/>
+                </a:moveTo>
+                <a:cubicBezTo>
+                  <a:pt x="24153" y="129381"/>
+                  <a:pt x="-11859" y="-57139"/>
+                  <a:pt x="25880" y="207034"/>
+                </a:cubicBezTo>
+                <a:cubicBezTo>
+                  <a:pt x="27166" y="216036"/>
+                  <a:pt x="32008" y="224171"/>
+                  <a:pt x="34506" y="232914"/>
+                </a:cubicBezTo>
+                <a:cubicBezTo>
+                  <a:pt x="37763" y="244314"/>
+                  <a:pt x="38462" y="256522"/>
+                  <a:pt x="43132" y="267419"/>
+                </a:cubicBezTo>
+                <a:cubicBezTo>
+                  <a:pt x="47216" y="276948"/>
+                  <a:pt x="54634" y="284672"/>
+                  <a:pt x="60385" y="293298"/>
+                </a:cubicBezTo>
+                <a:cubicBezTo>
+                  <a:pt x="63261" y="307675"/>
+                  <a:pt x="65831" y="322117"/>
+                  <a:pt x="69012" y="336430"/>
+                </a:cubicBezTo>
+                <a:cubicBezTo>
+                  <a:pt x="71584" y="348004"/>
+                  <a:pt x="69831" y="362013"/>
+                  <a:pt x="77638" y="370936"/>
+                </a:cubicBezTo>
+                <a:cubicBezTo>
+                  <a:pt x="91292" y="386541"/>
+                  <a:pt x="112144" y="393940"/>
+                  <a:pt x="129397" y="405442"/>
+                </a:cubicBezTo>
+                <a:cubicBezTo>
+                  <a:pt x="138023" y="411193"/>
+                  <a:pt x="146003" y="418059"/>
+                  <a:pt x="155276" y="422695"/>
+                </a:cubicBezTo>
+                <a:cubicBezTo>
+                  <a:pt x="178280" y="434197"/>
+                  <a:pt x="202888" y="442934"/>
+                  <a:pt x="224287" y="457200"/>
+                </a:cubicBezTo>
+                <a:cubicBezTo>
+                  <a:pt x="232913" y="462951"/>
+                  <a:pt x="240236" y="471474"/>
+                  <a:pt x="250166" y="474453"/>
+                </a:cubicBezTo>
+                <a:cubicBezTo>
+                  <a:pt x="269641" y="480296"/>
+                  <a:pt x="290423" y="480204"/>
+                  <a:pt x="310551" y="483080"/>
+                </a:cubicBezTo>
+                <a:cubicBezTo>
+                  <a:pt x="488830" y="480204"/>
+                  <a:pt x="667276" y="482674"/>
+                  <a:pt x="845389" y="474453"/>
+                </a:cubicBezTo>
+                <a:cubicBezTo>
+                  <a:pt x="855746" y="473975"/>
+                  <a:pt x="861995" y="461837"/>
+                  <a:pt x="871268" y="457200"/>
+                </a:cubicBezTo>
+                <a:cubicBezTo>
+                  <a:pt x="885118" y="450275"/>
+                  <a:pt x="900550" y="446872"/>
+                  <a:pt x="914400" y="439947"/>
+                </a:cubicBezTo>
+                <a:cubicBezTo>
+                  <a:pt x="923673" y="435311"/>
+                  <a:pt x="931986" y="428916"/>
+                  <a:pt x="940280" y="422695"/>
+                </a:cubicBezTo>
+                <a:cubicBezTo>
+                  <a:pt x="959733" y="408105"/>
+                  <a:pt x="992394" y="382962"/>
+                  <a:pt x="1009291" y="362310"/>
+                </a:cubicBezTo>
+                <a:cubicBezTo>
+                  <a:pt x="1027499" y="340055"/>
+                  <a:pt x="1043796" y="316302"/>
+                  <a:pt x="1061049" y="293298"/>
+                </a:cubicBezTo>
+                <a:cubicBezTo>
+                  <a:pt x="1066183" y="267629"/>
+                  <a:pt x="1073796" y="220297"/>
+                  <a:pt x="1086929" y="198408"/>
+                </a:cubicBezTo>
+                <a:lnTo>
+                  <a:pt x="1112808" y="155276"/>
+                </a:lnTo>
+                <a:cubicBezTo>
+                  <a:pt x="1121793" y="11513"/>
+                  <a:pt x="1121434" y="63350"/>
+                  <a:pt x="1121434" y="0"/>
+                </a:cubicBezTo>
+              </a:path>
+            </a:pathLst>
+          </a:custGeom>
+          <a:noFill/>
+          <a:ln>
+            <a:solidFill>
+              <a:srgbClr val="FF0000"/>
+            </a:solidFill>
+            <a:headEnd type="none" w="med" len="med"/>
+            <a:tailEnd type="arrow" w="med" len="med"/>
+          </a:ln>
+        </p:spPr>
+        <p:style>
+          <a:lnRef idx="2">
+            <a:schemeClr val="accent1">
+              <a:shade val="50000"/>
+            </a:schemeClr>
+          </a:lnRef>
+          <a:fillRef idx="1">
+            <a:schemeClr val="accent1"/>
+          </a:fillRef>
+          <a:effectRef idx="0">
+            <a:schemeClr val="accent1"/>
+          </a:effectRef>
+          <a:fontRef idx="minor">
+            <a:schemeClr val="lt1"/>
+          </a:fontRef>
+        </p:style>
+        <p:txBody>
+          <a:bodyPr rtlCol="0" anchor="ctr"/>
+          <a:lstStyle/>
+          <a:p>
+            <a:pPr algn="ctr"/>
+            <a:endParaRPr lang="ko-KR" altLang="en-US"/>
+          </a:p>
+        </p:txBody>
+      </p:sp>
+      <p:sp>
+        <p:nvSpPr>
+          <p:cNvPr id="26" name="직사각형 25"/>
+          <p:cNvSpPr/>
+          <p:nvPr/>
+        </p:nvSpPr>
+        <p:spPr>
+          <a:xfrm>
+            <a:off x="2068184" y="1563044"/>
+            <a:ext cx="994913" cy="534838"/>
+          </a:xfrm>
+          <a:prstGeom prst="rect">
+            <a:avLst/>
+          </a:prstGeom>
+          <a:solidFill>
+            <a:schemeClr val="accent6">
+              <a:lumMod val="20000"/>
+              <a:lumOff val="80000"/>
+            </a:schemeClr>
+          </a:solidFill>
+        </p:spPr>
+        <p:style>
+          <a:lnRef idx="2">
+            <a:schemeClr val="accent1">
+              <a:shade val="50000"/>
+            </a:schemeClr>
+          </a:lnRef>
+          <a:fillRef idx="1">
+            <a:schemeClr val="accent1"/>
+          </a:fillRef>
+          <a:effectRef idx="0">
+            <a:schemeClr val="accent1"/>
+          </a:effectRef>
+          <a:fontRef idx="minor">
+            <a:schemeClr val="lt1"/>
+          </a:fontRef>
+        </p:style>
+        <p:txBody>
+          <a:bodyPr rtlCol="0" anchor="t"/>
+          <a:lstStyle/>
+          <a:p>
+            <a:pPr algn="ctr"/>
+            <a:r>
+              <a:rPr lang="en-US" altLang="ko-KR" sz="1400" dirty="0" smtClean="0">
+                <a:solidFill>
+                  <a:schemeClr val="accent1">
+                    <a:lumMod val="50000"/>
+                  </a:schemeClr>
+                </a:solidFill>
+              </a:rPr>
+              <a:t>Event Handler</a:t>
+            </a:r>
+            <a:endParaRPr lang="ko-KR" altLang="en-US" sz="1400" dirty="0" smtClean="0">
+              <a:solidFill>
+                <a:schemeClr val="accent1">
+                  <a:lumMod val="50000"/>
+                </a:schemeClr>
+              </a:solidFill>
+            </a:endParaRPr>
+          </a:p>
+        </p:txBody>
+      </p:sp>
+    </p:spTree>
+    <p:extLst>
+      <p:ext uri="{BB962C8B-B14F-4D97-AF65-F5344CB8AC3E}">
+        <p14:creationId xmlns:p14="http://schemas.microsoft.com/office/powerpoint/2010/main" val="2287628108"/>
+      </p:ext>
+    </p:extLst>
+  </p:cSld>
+  <p:clrMapOvr>
+    <a:masterClrMapping/>
+  </p:clrMapOvr>
+</p:sld>
+</file>
+
 <file path=ppt/slides/slide6.xml><?xml version="1.0" encoding="utf-8"?>
 <p:sld xmlns:a="http://schemas.openxmlformats.org/drawingml/2006/main" xmlns:r="http://schemas.openxmlformats.org/officeDocument/2006/relationships" xmlns:p="http://schemas.openxmlformats.org/presentationml/2006/main">
   <p:cSld>

--- a/SugangSincheong-A/객체지향프로그래밍-A.pptx
+++ b/SugangSincheong-A/객체지향프로그래밍-A.pptx
@@ -63,6 +63,7 @@
     <p:sldId id="311" r:id="rId57"/>
     <p:sldId id="312" r:id="rId58"/>
     <p:sldId id="313" r:id="rId59"/>
+    <p:sldId id="314" r:id="rId60"/>
   </p:sldIdLst>
   <p:sldSz cx="12192000" cy="6858000"/>
   <p:notesSz cx="6858000" cy="9144000"/>
@@ -3242,7 +3243,7 @@
           <a:p>
             <a:fld id="{9891F741-12A4-49B3-B7A2-504B2BE71C46}" type="datetimeFigureOut">
               <a:rPr lang="ko-KR" altLang="en-US" smtClean="0"/>
-              <a:t>2022-11-16</a:t>
+              <a:t>2022-11-21</a:t>
             </a:fld>
             <a:endParaRPr lang="ko-KR" altLang="en-US"/>
           </a:p>
@@ -3415,7 +3416,7 @@
           <a:p>
             <a:fld id="{9891F741-12A4-49B3-B7A2-504B2BE71C46}" type="datetimeFigureOut">
               <a:rPr lang="ko-KR" altLang="en-US" smtClean="0"/>
-              <a:t>2022-11-16</a:t>
+              <a:t>2022-11-21</a:t>
             </a:fld>
             <a:endParaRPr lang="ko-KR" altLang="en-US"/>
           </a:p>
@@ -3622,7 +3623,7 @@
           <a:p>
             <a:fld id="{9891F741-12A4-49B3-B7A2-504B2BE71C46}" type="datetimeFigureOut">
               <a:rPr lang="ko-KR" altLang="en-US" smtClean="0"/>
-              <a:t>2022-11-16</a:t>
+              <a:t>2022-11-21</a:t>
             </a:fld>
             <a:endParaRPr lang="ko-KR" altLang="en-US"/>
           </a:p>
@@ -3829,7 +3830,7 @@
           <a:p>
             <a:fld id="{9891F741-12A4-49B3-B7A2-504B2BE71C46}" type="datetimeFigureOut">
               <a:rPr lang="ko-KR" altLang="en-US" smtClean="0"/>
-              <a:t>2022-11-16</a:t>
+              <a:t>2022-11-21</a:t>
             </a:fld>
             <a:endParaRPr lang="ko-KR" altLang="en-US"/>
           </a:p>
@@ -4065,7 +4066,7 @@
           <a:p>
             <a:fld id="{9891F741-12A4-49B3-B7A2-504B2BE71C46}" type="datetimeFigureOut">
               <a:rPr lang="ko-KR" altLang="en-US" smtClean="0"/>
-              <a:t>2022-11-16</a:t>
+              <a:t>2022-11-21</a:t>
             </a:fld>
             <a:endParaRPr lang="ko-KR" altLang="en-US"/>
           </a:p>
@@ -52314,6 +52315,125 @@
 </p:sld>
 </file>
 
+<file path=ppt/slides/slide59.xml><?xml version="1.0" encoding="utf-8"?>
+<p:sld xmlns:a="http://schemas.openxmlformats.org/drawingml/2006/main" xmlns:r="http://schemas.openxmlformats.org/officeDocument/2006/relationships" xmlns:p="http://schemas.openxmlformats.org/presentationml/2006/main">
+  <p:cSld>
+    <p:spTree>
+      <p:nvGrpSpPr>
+        <p:cNvPr id="1" name=""/>
+        <p:cNvGrpSpPr/>
+        <p:nvPr/>
+      </p:nvGrpSpPr>
+      <p:grpSpPr>
+        <a:xfrm>
+          <a:off x="0" y="0"/>
+          <a:ext cx="0" cy="0"/>
+          <a:chOff x="0" y="0"/>
+          <a:chExt cx="0" cy="0"/>
+        </a:xfrm>
+      </p:grpSpPr>
+      <p:sp>
+        <p:nvSpPr>
+          <p:cNvPr id="2" name="제목 1"/>
+          <p:cNvSpPr>
+            <a:spLocks noGrp="1"/>
+          </p:cNvSpPr>
+          <p:nvPr>
+            <p:ph type="title"/>
+          </p:nvPr>
+        </p:nvSpPr>
+        <p:spPr/>
+        <p:txBody>
+          <a:bodyPr/>
+          <a:lstStyle/>
+          <a:p>
+            <a:r>
+              <a:rPr lang="en-US" altLang="ko-KR" dirty="0" smtClean="0"/>
+              <a:t>2022-11-21</a:t>
+            </a:r>
+            <a:endParaRPr lang="ko-KR" altLang="en-US" dirty="0"/>
+          </a:p>
+        </p:txBody>
+      </p:sp>
+      <p:sp>
+        <p:nvSpPr>
+          <p:cNvPr id="3" name="내용 개체 틀 2"/>
+          <p:cNvSpPr>
+            <a:spLocks noGrp="1"/>
+          </p:cNvSpPr>
+          <p:nvPr>
+            <p:ph idx="1"/>
+          </p:nvPr>
+        </p:nvSpPr>
+        <p:spPr/>
+        <p:txBody>
+          <a:bodyPr/>
+          <a:lstStyle/>
+          <a:p>
+            <a:r>
+              <a:rPr lang="ko-KR" altLang="en-US" dirty="0" smtClean="0"/>
+              <a:t>진행 </a:t>
+            </a:r>
+            <a:endParaRPr lang="en-US" altLang="ko-KR" dirty="0" smtClean="0"/>
+          </a:p>
+          <a:p>
+            <a:pPr lvl="1"/>
+            <a:r>
+              <a:rPr lang="ko-KR" altLang="en-US" dirty="0" err="1" smtClean="0"/>
+              <a:t>미리담기</a:t>
+            </a:r>
+            <a:r>
+              <a:rPr lang="en-US" altLang="ko-KR" dirty="0" smtClean="0"/>
+              <a:t>/</a:t>
+            </a:r>
+            <a:r>
+              <a:rPr lang="ko-KR" altLang="en-US" dirty="0" smtClean="0"/>
+              <a:t>수강신청 패널 추가</a:t>
+            </a:r>
+            <a:endParaRPr lang="en-US" altLang="ko-KR" dirty="0" smtClean="0"/>
+          </a:p>
+          <a:p>
+            <a:pPr lvl="1"/>
+            <a:r>
+              <a:rPr lang="en-US" altLang="ko-KR" smtClean="0"/>
+              <a:t>Control Panel</a:t>
+            </a:r>
+            <a:endParaRPr lang="ko-KR" altLang="en-US" dirty="0"/>
+          </a:p>
+        </p:txBody>
+      </p:sp>
+      <p:sp>
+        <p:nvSpPr>
+          <p:cNvPr id="4" name="내용 개체 틀 3"/>
+          <p:cNvSpPr>
+            <a:spLocks noGrp="1"/>
+          </p:cNvSpPr>
+          <p:nvPr>
+            <p:ph sz="quarter" idx="13"/>
+          </p:nvPr>
+        </p:nvSpPr>
+        <p:spPr/>
+        <p:txBody>
+          <a:bodyPr/>
+          <a:lstStyle/>
+          <a:p>
+            <a:endParaRPr lang="ko-KR" altLang="en-US"/>
+          </a:p>
+        </p:txBody>
+      </p:sp>
+    </p:spTree>
+    <p:extLst>
+      <p:ext uri="{BB962C8B-B14F-4D97-AF65-F5344CB8AC3E}">
+        <p14:creationId xmlns:p14="http://schemas.microsoft.com/office/powerpoint/2010/main" val="2505671075"/>
+      </p:ext>
+    </p:extLst>
+  </p:cSld>
+  <p:clrMapOvr>
+    <a:masterClrMapping/>
+  </p:clrMapOvr>
+</p:sld>
+</file>
+
 <file path=ppt/slides/slide6.xml><?xml version="1.0" encoding="utf-8"?>
 <p:sld xmlns:a="http://schemas.openxmlformats.org/drawingml/2006/main" xmlns:r="http://schemas.openxmlformats.org/officeDocument/2006/relationships" xmlns:p="http://schemas.openxmlformats.org/presentationml/2006/main">
   <p:cSld>
